--- a/DataTypes/Concepts/Concept.pptx
+++ b/DataTypes/Concepts/Concept.pptx
@@ -104,6 +104,11 @@
       </a:defRPr>
     </a:lvl9pPr>
   </p:defaultTextStyle>
+  <p:extLst>
+    <p:ext uri="{EFAFB233-063F-42B5-8137-9DF3F51BA10A}">
+      <p15:sldGuideLst xmlns:p15="http://schemas.microsoft.com/office/powerpoint/2012/main"/>
+    </p:ext>
+  </p:extLst>
 </p:presentation>
 </file>
 
@@ -2980,7 +2985,7 @@
         </p:nvGrpSpPr>
         <p:grpSpPr>
           <a:xfrm>
-            <a:off x="5071358" y="517999"/>
+            <a:off x="12192262" y="2288564"/>
             <a:ext cx="1668714" cy="1979595"/>
             <a:chOff x="1715679" y="1940516"/>
             <a:chExt cx="1348032" cy="1707658"/>
@@ -3113,9 +3118,10 @@
             <a:p>
               <a:pPr algn="ctr"/>
               <a:r>
-                <a:rPr lang="cs-CZ" sz="1201" b="1" dirty="0"/>
-                <a:t>[text 1]</a:t>
+                <a:rPr lang="cs-CZ" sz="1201" b="1" dirty="0" err="1"/>
+                <a:t>SetpTable</a:t>
               </a:r>
+              <a:endParaRPr lang="cs-CZ" sz="1201" b="1" dirty="0"/>
             </a:p>
           </p:txBody>
         </p:sp>
@@ -3199,241 +3205,6 @@
       </p:grpSp>
       <p:grpSp>
         <p:nvGrpSpPr>
-          <p:cNvPr id="16" name="Skupina 15">
-            <a:extLst>
-              <a:ext uri="{FF2B5EF4-FFF2-40B4-BE49-F238E27FC236}">
-                <a16:creationId xmlns:a16="http://schemas.microsoft.com/office/drawing/2014/main" id="{C74ED1BF-4292-4AA8-B461-E9A758E35EB2}"/>
-              </a:ext>
-            </a:extLst>
-          </p:cNvPr>
-          <p:cNvGrpSpPr/>
-          <p:nvPr/>
-        </p:nvGrpSpPr>
-        <p:grpSpPr>
-          <a:xfrm>
-            <a:off x="610386" y="363423"/>
-            <a:ext cx="1668714" cy="1979595"/>
-            <a:chOff x="1715679" y="1940516"/>
-            <a:chExt cx="1348032" cy="1707658"/>
-          </a:xfrm>
-        </p:grpSpPr>
-        <p:sp>
-          <p:nvSpPr>
-            <p:cNvPr id="17" name="Obdélník: se zakulacenými rohy 16">
-              <a:extLst>
-                <a:ext uri="{FF2B5EF4-FFF2-40B4-BE49-F238E27FC236}">
-                  <a16:creationId xmlns:a16="http://schemas.microsoft.com/office/drawing/2014/main" id="{C35D6F83-8409-4978-830B-7ECFFA2A0CE6}"/>
-                </a:ext>
-              </a:extLst>
-            </p:cNvPr>
-            <p:cNvSpPr/>
-            <p:nvPr/>
-          </p:nvSpPr>
-          <p:spPr>
-            <a:xfrm>
-              <a:off x="1715679" y="2248296"/>
-              <a:ext cx="1348032" cy="1399878"/>
-            </a:xfrm>
-            <a:prstGeom prst="roundRect">
-              <a:avLst/>
-            </a:prstGeom>
-            <a:solidFill>
-              <a:schemeClr val="accent1">
-                <a:lumMod val="40000"/>
-                <a:lumOff val="60000"/>
-              </a:schemeClr>
-            </a:solidFill>
-          </p:spPr>
-          <p:style>
-            <a:lnRef idx="2">
-              <a:schemeClr val="accent1">
-                <a:shade val="50000"/>
-              </a:schemeClr>
-            </a:lnRef>
-            <a:fillRef idx="1">
-              <a:schemeClr val="accent1"/>
-            </a:fillRef>
-            <a:effectRef idx="0">
-              <a:schemeClr val="accent1"/>
-            </a:effectRef>
-            <a:fontRef idx="minor">
-              <a:schemeClr val="lt1"/>
-            </a:fontRef>
-          </p:style>
-          <p:txBody>
-            <a:bodyPr rtlCol="0" anchor="ctr"/>
-            <a:lstStyle/>
-            <a:p>
-              <a:pPr algn="ctr"/>
-              <a:endParaRPr lang="cs-CZ"/>
-            </a:p>
-          </p:txBody>
-        </p:sp>
-        <p:cxnSp>
-          <p:nvCxnSpPr>
-            <p:cNvPr id="18" name="Přímá spojnice 17">
-              <a:extLst>
-                <a:ext uri="{FF2B5EF4-FFF2-40B4-BE49-F238E27FC236}">
-                  <a16:creationId xmlns:a16="http://schemas.microsoft.com/office/drawing/2014/main" id="{895B98E0-C99F-4A46-9A92-E478ABE344CA}"/>
-                </a:ext>
-              </a:extLst>
-            </p:cNvPr>
-            <p:cNvCxnSpPr>
-              <a:cxnSpLocks/>
-              <a:stCxn id="17" idx="1"/>
-              <a:endCxn id="17" idx="3"/>
-            </p:cNvCxnSpPr>
-            <p:nvPr/>
-          </p:nvCxnSpPr>
-          <p:spPr>
-            <a:xfrm>
-              <a:off x="1715679" y="2948235"/>
-              <a:ext cx="1348032" cy="0"/>
-            </a:xfrm>
-            <a:prstGeom prst="line">
-              <a:avLst/>
-            </a:prstGeom>
-            <a:ln>
-              <a:solidFill>
-                <a:schemeClr val="tx1"/>
-              </a:solidFill>
-            </a:ln>
-          </p:spPr>
-          <p:style>
-            <a:lnRef idx="1">
-              <a:schemeClr val="accent1"/>
-            </a:lnRef>
-            <a:fillRef idx="0">
-              <a:schemeClr val="accent1"/>
-            </a:fillRef>
-            <a:effectRef idx="0">
-              <a:schemeClr val="accent1"/>
-            </a:effectRef>
-            <a:fontRef idx="minor">
-              <a:schemeClr val="tx1"/>
-            </a:fontRef>
-          </p:style>
-        </p:cxnSp>
-        <p:sp>
-          <p:nvSpPr>
-            <p:cNvPr id="19" name="TextovéPole 18">
-              <a:extLst>
-                <a:ext uri="{FF2B5EF4-FFF2-40B4-BE49-F238E27FC236}">
-                  <a16:creationId xmlns:a16="http://schemas.microsoft.com/office/drawing/2014/main" id="{2BB78111-E651-465F-B5CD-1FD218BC25A5}"/>
-                </a:ext>
-              </a:extLst>
-            </p:cNvPr>
-            <p:cNvSpPr txBox="1"/>
-            <p:nvPr/>
-          </p:nvSpPr>
-          <p:spPr>
-            <a:xfrm>
-              <a:off x="1769244" y="2248294"/>
-              <a:ext cx="1238547" cy="240027"/>
-            </a:xfrm>
-            <a:prstGeom prst="rect">
-              <a:avLst/>
-            </a:prstGeom>
-            <a:noFill/>
-          </p:spPr>
-          <p:txBody>
-            <a:bodyPr wrap="square" rtlCol="0">
-              <a:spAutoFit/>
-            </a:bodyPr>
-            <a:lstStyle/>
-            <a:p>
-              <a:pPr algn="ctr"/>
-              <a:r>
-                <a:rPr lang="cs-CZ" sz="1201" b="1" dirty="0"/>
-                <a:t>[text 1]</a:t>
-              </a:r>
-            </a:p>
-          </p:txBody>
-        </p:sp>
-        <p:sp>
-          <p:nvSpPr>
-            <p:cNvPr id="20" name="TextovéPole 19">
-              <a:extLst>
-                <a:ext uri="{FF2B5EF4-FFF2-40B4-BE49-F238E27FC236}">
-                  <a16:creationId xmlns:a16="http://schemas.microsoft.com/office/drawing/2014/main" id="{596134C8-E092-455E-84B1-3B8F1F42CB81}"/>
-                </a:ext>
-              </a:extLst>
-            </p:cNvPr>
-            <p:cNvSpPr txBox="1"/>
-            <p:nvPr/>
-          </p:nvSpPr>
-          <p:spPr>
-            <a:xfrm>
-              <a:off x="1791092" y="2948235"/>
-              <a:ext cx="1238547" cy="240027"/>
-            </a:xfrm>
-            <a:prstGeom prst="rect">
-              <a:avLst/>
-            </a:prstGeom>
-            <a:noFill/>
-          </p:spPr>
-          <p:txBody>
-            <a:bodyPr wrap="square" rtlCol="0">
-              <a:spAutoFit/>
-            </a:bodyPr>
-            <a:lstStyle/>
-            <a:p>
-              <a:pPr algn="ctr"/>
-              <a:r>
-                <a:rPr lang="cs-CZ" sz="1201" dirty="0"/>
-                <a:t>[text 1]</a:t>
-              </a:r>
-            </a:p>
-          </p:txBody>
-        </p:sp>
-        <p:sp>
-          <p:nvSpPr>
-            <p:cNvPr id="21" name="TextovéPole 20">
-              <a:extLst>
-                <a:ext uri="{FF2B5EF4-FFF2-40B4-BE49-F238E27FC236}">
-                  <a16:creationId xmlns:a16="http://schemas.microsoft.com/office/drawing/2014/main" id="{90ED1D00-2628-4043-9348-09D004E6F059}"/>
-                </a:ext>
-              </a:extLst>
-            </p:cNvPr>
-            <p:cNvSpPr txBox="1"/>
-            <p:nvPr/>
-          </p:nvSpPr>
-          <p:spPr>
-            <a:xfrm>
-              <a:off x="1812941" y="1940516"/>
-              <a:ext cx="1194847" cy="266684"/>
-            </a:xfrm>
-            <a:prstGeom prst="rect">
-              <a:avLst/>
-            </a:prstGeom>
-            <a:noFill/>
-          </p:spPr>
-          <p:txBody>
-            <a:bodyPr wrap="square" rtlCol="0">
-              <a:spAutoFit/>
-            </a:bodyPr>
-            <a:lstStyle/>
-            <a:p>
-              <a:pPr algn="ctr"/>
-              <a:r>
-                <a:rPr lang="cs-CZ" sz="1401" dirty="0" err="1"/>
-                <a:t>Folder</a:t>
-              </a:r>
-              <a:r>
-                <a:rPr lang="cs-CZ" sz="1401" dirty="0"/>
-                <a:t> </a:t>
-              </a:r>
-              <a:r>
-                <a:rPr lang="cs-CZ" sz="1401" dirty="0" err="1"/>
-                <a:t>loader</a:t>
-              </a:r>
-              <a:endParaRPr lang="cs-CZ" sz="1401" dirty="0"/>
-            </a:p>
-          </p:txBody>
-        </p:sp>
-      </p:grpSp>
-      <p:grpSp>
-        <p:nvGrpSpPr>
           <p:cNvPr id="24" name="Skupina 23">
             <a:extLst>
               <a:ext uri="{FF2B5EF4-FFF2-40B4-BE49-F238E27FC236}">
@@ -3446,7 +3217,7 @@
         </p:nvGrpSpPr>
         <p:grpSpPr>
           <a:xfrm>
-            <a:off x="5093117" y="3987377"/>
+            <a:off x="3109532" y="2364342"/>
             <a:ext cx="2442127" cy="1962663"/>
             <a:chOff x="1715679" y="1940516"/>
             <a:chExt cx="1348032" cy="1707658"/>
@@ -3636,7 +3407,7 @@
           <p:spPr>
             <a:xfrm>
               <a:off x="1812941" y="1940516"/>
-              <a:ext cx="1194847" cy="400701"/>
+              <a:ext cx="1194847" cy="267900"/>
             </a:xfrm>
             <a:prstGeom prst="rect">
               <a:avLst/>
@@ -3651,20 +3422,8 @@
             <a:p>
               <a:pPr algn="ctr"/>
               <a:r>
-                <a:rPr lang="cs-CZ" sz="1401" dirty="0" err="1"/>
-                <a:t>File</a:t>
-              </a:r>
-              <a:r>
                 <a:rPr lang="cs-CZ" sz="1401" dirty="0"/>
-                <a:t> </a:t>
-              </a:r>
-              <a:r>
-                <a:rPr lang="cs-CZ" sz="1401" dirty="0" err="1"/>
-                <a:t>loader</a:t>
-              </a:r>
-              <a:r>
-                <a:rPr lang="cs-CZ" sz="1401" dirty="0"/>
-                <a:t> = data node</a:t>
+                <a:t>Data node</a:t>
               </a:r>
             </a:p>
           </p:txBody>
@@ -3684,7 +3443,7 @@
         </p:nvGrpSpPr>
         <p:grpSpPr>
           <a:xfrm>
-            <a:off x="1263152" y="7296042"/>
+            <a:off x="6041698" y="5765081"/>
             <a:ext cx="1668714" cy="1979595"/>
             <a:chOff x="1715679" y="1940516"/>
             <a:chExt cx="1348032" cy="1707658"/>
@@ -3914,7 +3673,7 @@
         </p:nvGrpSpPr>
         <p:grpSpPr>
           <a:xfrm>
-            <a:off x="7548269" y="7292136"/>
+            <a:off x="1336953" y="5980672"/>
             <a:ext cx="1668714" cy="1979595"/>
             <a:chOff x="1715679" y="1940516"/>
             <a:chExt cx="1348032" cy="1707658"/>
@@ -4124,13 +3883,8 @@
               </a:r>
               <a:r>
                 <a:rPr lang="cs-CZ" sz="1401" dirty="0"/>
-                <a:t> </a:t>
+                <a:t> data</a:t>
               </a:r>
-              <a:r>
-                <a:rPr lang="cs-CZ" sz="1401" dirty="0" err="1"/>
-                <a:t>array</a:t>
-              </a:r>
-              <a:endParaRPr lang="cs-CZ" sz="1401" dirty="0"/>
             </a:p>
           </p:txBody>
         </p:sp>
@@ -4149,7 +3903,7 @@
         </p:nvGrpSpPr>
         <p:grpSpPr>
           <a:xfrm>
-            <a:off x="4025394" y="11648454"/>
+            <a:off x="559627" y="8628569"/>
             <a:ext cx="1668714" cy="1979595"/>
             <a:chOff x="1715679" y="1940516"/>
             <a:chExt cx="1348032" cy="1707658"/>
@@ -4203,7 +3957,7 @@
             <a:lstStyle/>
             <a:p>
               <a:pPr algn="ctr"/>
-              <a:endParaRPr lang="cs-CZ"/>
+              <a:endParaRPr lang="cs-CZ" dirty="0"/>
             </a:p>
           </p:txBody>
         </p:sp>
@@ -4382,9 +4136,9 @@
           <p:nvPr/>
         </p:nvCxnSpPr>
         <p:spPr>
-          <a:xfrm rot="5400000" flipH="1" flipV="1">
-            <a:off x="3545637" y="4527499"/>
-            <a:ext cx="1346002" cy="4191085"/>
+          <a:xfrm rot="16200000" flipV="1">
+            <a:off x="4897081" y="3760520"/>
+            <a:ext cx="1438076" cy="2571046"/>
           </a:xfrm>
           <a:prstGeom prst="curvedConnector3">
             <a:avLst>
@@ -4425,8 +4179,8 @@
         </p:nvCxnSpPr>
         <p:spPr>
           <a:xfrm rot="5400000" flipH="1" flipV="1">
-            <a:off x="5445621" y="8711449"/>
-            <a:ext cx="2376723" cy="3497288"/>
+            <a:off x="1461289" y="7918549"/>
+            <a:ext cx="668302" cy="751739"/>
           </a:xfrm>
           <a:prstGeom prst="curvedConnector3">
             <a:avLst>
@@ -4466,383 +4220,15 @@
           <p:nvPr/>
         </p:nvCxnSpPr>
         <p:spPr>
-          <a:xfrm rot="16200000" flipV="1">
-            <a:off x="6690149" y="5574072"/>
-            <a:ext cx="1342096" cy="2094032"/>
+          <a:xfrm rot="5400000" flipH="1" flipV="1">
+            <a:off x="2436913" y="4086990"/>
+            <a:ext cx="1653667" cy="2133699"/>
           </a:xfrm>
           <a:prstGeom prst="curvedConnector3">
             <a:avLst>
               <a:gd name="adj1" fmla="val 50000"/>
             </a:avLst>
           </a:prstGeom>
-        </p:spPr>
-        <p:style>
-          <a:lnRef idx="1">
-            <a:schemeClr val="accent1"/>
-          </a:lnRef>
-          <a:fillRef idx="0">
-            <a:schemeClr val="accent1"/>
-          </a:fillRef>
-          <a:effectRef idx="0">
-            <a:schemeClr val="accent1"/>
-          </a:effectRef>
-          <a:fontRef idx="minor">
-            <a:schemeClr val="tx1"/>
-          </a:fontRef>
-        </p:style>
-      </p:cxnSp>
-      <p:grpSp>
-        <p:nvGrpSpPr>
-          <p:cNvPr id="60" name="Skupina 59">
-            <a:extLst>
-              <a:ext uri="{FF2B5EF4-FFF2-40B4-BE49-F238E27FC236}">
-                <a16:creationId xmlns:a16="http://schemas.microsoft.com/office/drawing/2014/main" id="{548D182E-D70C-44E4-AF0C-3BBEF9466008}"/>
-              </a:ext>
-            </a:extLst>
-          </p:cNvPr>
-          <p:cNvGrpSpPr/>
-          <p:nvPr/>
-        </p:nvGrpSpPr>
-        <p:grpSpPr>
-          <a:xfrm>
-            <a:off x="1653930" y="3817823"/>
-            <a:ext cx="1668714" cy="1979595"/>
-            <a:chOff x="1715679" y="1940516"/>
-            <a:chExt cx="1348032" cy="1707658"/>
-          </a:xfrm>
-        </p:grpSpPr>
-        <p:sp>
-          <p:nvSpPr>
-            <p:cNvPr id="61" name="Obdélník: se zakulacenými rohy 60">
-              <a:extLst>
-                <a:ext uri="{FF2B5EF4-FFF2-40B4-BE49-F238E27FC236}">
-                  <a16:creationId xmlns:a16="http://schemas.microsoft.com/office/drawing/2014/main" id="{A6AC05F8-7402-47BA-B623-F783E6E0755E}"/>
-                </a:ext>
-              </a:extLst>
-            </p:cNvPr>
-            <p:cNvSpPr/>
-            <p:nvPr/>
-          </p:nvSpPr>
-          <p:spPr>
-            <a:xfrm>
-              <a:off x="1715679" y="2248296"/>
-              <a:ext cx="1348032" cy="1399878"/>
-            </a:xfrm>
-            <a:prstGeom prst="roundRect">
-              <a:avLst/>
-            </a:prstGeom>
-            <a:solidFill>
-              <a:schemeClr val="accent1">
-                <a:lumMod val="40000"/>
-                <a:lumOff val="60000"/>
-              </a:schemeClr>
-            </a:solidFill>
-          </p:spPr>
-          <p:style>
-            <a:lnRef idx="2">
-              <a:schemeClr val="accent1">
-                <a:shade val="50000"/>
-              </a:schemeClr>
-            </a:lnRef>
-            <a:fillRef idx="1">
-              <a:schemeClr val="accent1"/>
-            </a:fillRef>
-            <a:effectRef idx="0">
-              <a:schemeClr val="accent1"/>
-            </a:effectRef>
-            <a:fontRef idx="minor">
-              <a:schemeClr val="lt1"/>
-            </a:fontRef>
-          </p:style>
-          <p:txBody>
-            <a:bodyPr rtlCol="0" anchor="ctr"/>
-            <a:lstStyle/>
-            <a:p>
-              <a:pPr algn="ctr"/>
-              <a:endParaRPr lang="cs-CZ"/>
-            </a:p>
-          </p:txBody>
-        </p:sp>
-        <p:cxnSp>
-          <p:nvCxnSpPr>
-            <p:cNvPr id="62" name="Přímá spojnice 61">
-              <a:extLst>
-                <a:ext uri="{FF2B5EF4-FFF2-40B4-BE49-F238E27FC236}">
-                  <a16:creationId xmlns:a16="http://schemas.microsoft.com/office/drawing/2014/main" id="{787A6CB8-5E10-4428-93CC-04A0519CF816}"/>
-                </a:ext>
-              </a:extLst>
-            </p:cNvPr>
-            <p:cNvCxnSpPr>
-              <a:cxnSpLocks/>
-              <a:stCxn id="61" idx="1"/>
-              <a:endCxn id="61" idx="3"/>
-            </p:cNvCxnSpPr>
-            <p:nvPr/>
-          </p:nvCxnSpPr>
-          <p:spPr>
-            <a:xfrm>
-              <a:off x="1715679" y="2948235"/>
-              <a:ext cx="1348032" cy="0"/>
-            </a:xfrm>
-            <a:prstGeom prst="line">
-              <a:avLst/>
-            </a:prstGeom>
-            <a:ln>
-              <a:solidFill>
-                <a:schemeClr val="tx1"/>
-              </a:solidFill>
-            </a:ln>
-          </p:spPr>
-          <p:style>
-            <a:lnRef idx="1">
-              <a:schemeClr val="accent1"/>
-            </a:lnRef>
-            <a:fillRef idx="0">
-              <a:schemeClr val="accent1"/>
-            </a:fillRef>
-            <a:effectRef idx="0">
-              <a:schemeClr val="accent1"/>
-            </a:effectRef>
-            <a:fontRef idx="minor">
-              <a:schemeClr val="tx1"/>
-            </a:fontRef>
-          </p:style>
-        </p:cxnSp>
-        <p:sp>
-          <p:nvSpPr>
-            <p:cNvPr id="63" name="TextovéPole 62">
-              <a:extLst>
-                <a:ext uri="{FF2B5EF4-FFF2-40B4-BE49-F238E27FC236}">
-                  <a16:creationId xmlns:a16="http://schemas.microsoft.com/office/drawing/2014/main" id="{F06D4271-2473-4A7F-BD8E-31AD99637506}"/>
-                </a:ext>
-              </a:extLst>
-            </p:cNvPr>
-            <p:cNvSpPr txBox="1"/>
-            <p:nvPr/>
-          </p:nvSpPr>
-          <p:spPr>
-            <a:xfrm>
-              <a:off x="1769244" y="2248294"/>
-              <a:ext cx="1238547" cy="240027"/>
-            </a:xfrm>
-            <a:prstGeom prst="rect">
-              <a:avLst/>
-            </a:prstGeom>
-            <a:noFill/>
-          </p:spPr>
-          <p:txBody>
-            <a:bodyPr wrap="square" rtlCol="0">
-              <a:spAutoFit/>
-            </a:bodyPr>
-            <a:lstStyle/>
-            <a:p>
-              <a:pPr algn="ctr"/>
-              <a:r>
-                <a:rPr lang="cs-CZ" sz="1201" b="1" dirty="0"/>
-                <a:t>[text 1]</a:t>
-              </a:r>
-            </a:p>
-          </p:txBody>
-        </p:sp>
-        <p:sp>
-          <p:nvSpPr>
-            <p:cNvPr id="64" name="TextovéPole 63">
-              <a:extLst>
-                <a:ext uri="{FF2B5EF4-FFF2-40B4-BE49-F238E27FC236}">
-                  <a16:creationId xmlns:a16="http://schemas.microsoft.com/office/drawing/2014/main" id="{5C3AC305-9038-4BAC-8F7B-A1E1D7AFDB5B}"/>
-                </a:ext>
-              </a:extLst>
-            </p:cNvPr>
-            <p:cNvSpPr txBox="1"/>
-            <p:nvPr/>
-          </p:nvSpPr>
-          <p:spPr>
-            <a:xfrm>
-              <a:off x="1791092" y="2948235"/>
-              <a:ext cx="1238547" cy="240027"/>
-            </a:xfrm>
-            <a:prstGeom prst="rect">
-              <a:avLst/>
-            </a:prstGeom>
-            <a:noFill/>
-          </p:spPr>
-          <p:txBody>
-            <a:bodyPr wrap="square" rtlCol="0">
-              <a:spAutoFit/>
-            </a:bodyPr>
-            <a:lstStyle/>
-            <a:p>
-              <a:pPr algn="ctr"/>
-              <a:r>
-                <a:rPr lang="cs-CZ" sz="1201" dirty="0"/>
-                <a:t>[text 1]</a:t>
-              </a:r>
-            </a:p>
-          </p:txBody>
-        </p:sp>
-        <p:sp>
-          <p:nvSpPr>
-            <p:cNvPr id="65" name="TextovéPole 64">
-              <a:extLst>
-                <a:ext uri="{FF2B5EF4-FFF2-40B4-BE49-F238E27FC236}">
-                  <a16:creationId xmlns:a16="http://schemas.microsoft.com/office/drawing/2014/main" id="{597D7A8C-7DDD-42FE-94AB-7E251BDD31A7}"/>
-                </a:ext>
-              </a:extLst>
-            </p:cNvPr>
-            <p:cNvSpPr txBox="1"/>
-            <p:nvPr/>
-          </p:nvSpPr>
-          <p:spPr>
-            <a:xfrm>
-              <a:off x="1812941" y="1940516"/>
-              <a:ext cx="1194847" cy="266684"/>
-            </a:xfrm>
-            <a:prstGeom prst="rect">
-              <a:avLst/>
-            </a:prstGeom>
-            <a:noFill/>
-          </p:spPr>
-          <p:txBody>
-            <a:bodyPr wrap="square" rtlCol="0">
-              <a:spAutoFit/>
-            </a:bodyPr>
-            <a:lstStyle/>
-            <a:p>
-              <a:pPr algn="ctr"/>
-              <a:r>
-                <a:rPr lang="cs-CZ" sz="1401" dirty="0" err="1"/>
-                <a:t>SubFolder</a:t>
-              </a:r>
-              <a:r>
-                <a:rPr lang="cs-CZ" sz="1401" dirty="0"/>
-                <a:t> </a:t>
-              </a:r>
-              <a:r>
-                <a:rPr lang="cs-CZ" sz="1401" dirty="0" err="1"/>
-                <a:t>Loader</a:t>
-              </a:r>
-              <a:endParaRPr lang="cs-CZ" sz="1401" dirty="0"/>
-            </a:p>
-          </p:txBody>
-        </p:sp>
-      </p:grpSp>
-      <p:cxnSp>
-        <p:nvCxnSpPr>
-          <p:cNvPr id="66" name="Spojnice: zakřivená 65">
-            <a:extLst>
-              <a:ext uri="{FF2B5EF4-FFF2-40B4-BE49-F238E27FC236}">
-                <a16:creationId xmlns:a16="http://schemas.microsoft.com/office/drawing/2014/main" id="{C5818975-2DBB-4CBD-B89B-9A39C446BFFB}"/>
-              </a:ext>
-            </a:extLst>
-          </p:cNvPr>
-          <p:cNvCxnSpPr>
-            <a:cxnSpLocks/>
-            <a:stCxn id="65" idx="0"/>
-            <a:endCxn id="17" idx="2"/>
-          </p:cNvCxnSpPr>
-          <p:nvPr/>
-        </p:nvCxnSpPr>
-        <p:spPr>
-          <a:xfrm rot="16200000" flipV="1">
-            <a:off x="1241907" y="2545855"/>
-            <a:ext cx="1474805" cy="1069131"/>
-          </a:xfrm>
-          <a:prstGeom prst="curvedConnector3">
-            <a:avLst>
-              <a:gd name="adj1" fmla="val 50000"/>
-            </a:avLst>
-          </a:prstGeom>
-        </p:spPr>
-        <p:style>
-          <a:lnRef idx="1">
-            <a:schemeClr val="accent1"/>
-          </a:lnRef>
-          <a:fillRef idx="0">
-            <a:schemeClr val="accent1"/>
-          </a:fillRef>
-          <a:effectRef idx="0">
-            <a:schemeClr val="accent1"/>
-          </a:effectRef>
-          <a:fontRef idx="minor">
-            <a:schemeClr val="tx1"/>
-          </a:fontRef>
-        </p:style>
-      </p:cxnSp>
-      <p:cxnSp>
-        <p:nvCxnSpPr>
-          <p:cNvPr id="76" name="Spojnice: zakřivená 75">
-            <a:extLst>
-              <a:ext uri="{FF2B5EF4-FFF2-40B4-BE49-F238E27FC236}">
-                <a16:creationId xmlns:a16="http://schemas.microsoft.com/office/drawing/2014/main" id="{0218279E-86DB-45CE-9F76-AC15968EEA75}"/>
-              </a:ext>
-            </a:extLst>
-          </p:cNvPr>
-          <p:cNvCxnSpPr>
-            <a:stCxn id="5" idx="1"/>
-            <a:endCxn id="17" idx="3"/>
-          </p:cNvCxnSpPr>
-          <p:nvPr/>
-        </p:nvCxnSpPr>
-        <p:spPr>
-          <a:xfrm rot="10800000">
-            <a:off x="2279100" y="1531617"/>
-            <a:ext cx="2792258" cy="154576"/>
-          </a:xfrm>
-          <a:prstGeom prst="curvedConnector3">
-            <a:avLst/>
-          </a:prstGeom>
-          <a:ln w="22225">
-            <a:solidFill>
-              <a:schemeClr val="tx1"/>
-            </a:solidFill>
-            <a:tailEnd type="triangle"/>
-          </a:ln>
-        </p:spPr>
-        <p:style>
-          <a:lnRef idx="1">
-            <a:schemeClr val="accent1"/>
-          </a:lnRef>
-          <a:fillRef idx="0">
-            <a:schemeClr val="accent1"/>
-          </a:fillRef>
-          <a:effectRef idx="0">
-            <a:schemeClr val="accent1"/>
-          </a:effectRef>
-          <a:fontRef idx="minor">
-            <a:schemeClr val="tx1"/>
-          </a:fontRef>
-        </p:style>
-      </p:cxnSp>
-      <p:cxnSp>
-        <p:nvCxnSpPr>
-          <p:cNvPr id="77" name="Spojnice: zakřivená 76">
-            <a:extLst>
-              <a:ext uri="{FF2B5EF4-FFF2-40B4-BE49-F238E27FC236}">
-                <a16:creationId xmlns:a16="http://schemas.microsoft.com/office/drawing/2014/main" id="{B7BE1928-221F-4203-93C2-D11E1BA66386}"/>
-              </a:ext>
-            </a:extLst>
-          </p:cNvPr>
-          <p:cNvCxnSpPr>
-            <a:cxnSpLocks/>
-            <a:stCxn id="5" idx="1"/>
-            <a:endCxn id="61" idx="3"/>
-          </p:cNvCxnSpPr>
-          <p:nvPr/>
-        </p:nvCxnSpPr>
-        <p:spPr>
-          <a:xfrm rot="10800000" flipV="1">
-            <a:off x="3322644" y="1686193"/>
-            <a:ext cx="1748714" cy="3299824"/>
-          </a:xfrm>
-          <a:prstGeom prst="curvedConnector3">
-            <a:avLst/>
-          </a:prstGeom>
-          <a:ln w="22225">
-            <a:solidFill>
-              <a:schemeClr val="tx1"/>
-            </a:solidFill>
-            <a:tailEnd type="triangle"/>
-          </a:ln>
         </p:spPr>
         <p:style>
           <a:lnRef idx="1">
@@ -4873,8 +4259,8 @@
         </p:nvSpPr>
         <p:spPr>
           <a:xfrm>
-            <a:off x="7605999" y="9361741"/>
-            <a:ext cx="3823211" cy="923330"/>
+            <a:off x="8402880" y="14051000"/>
+            <a:ext cx="3823211" cy="646331"/>
           </a:xfrm>
           <a:prstGeom prst="rect">
             <a:avLst/>
@@ -4888,105 +4274,64 @@
           <a:lstStyle/>
           <a:p>
             <a:r>
+              <a:rPr lang="cs-CZ" dirty="0"/>
+              <a:t>Switch case </a:t>
+            </a:r>
+            <a:r>
               <a:rPr lang="cs-CZ" dirty="0" err="1"/>
-              <a:t>Horizontal</a:t>
+              <a:t>for</a:t>
             </a:r>
             <a:r>
               <a:rPr lang="cs-CZ" dirty="0"/>
-              <a:t> (</a:t>
+              <a:t> </a:t>
             </a:r>
             <a:r>
               <a:rPr lang="cs-CZ" dirty="0" err="1"/>
-              <a:t>pundit</a:t>
+              <a:t>selection</a:t>
             </a:r>
             <a:r>
               <a:rPr lang="cs-CZ" dirty="0"/>
-              <a:t>, </a:t>
+              <a:t> </a:t>
             </a:r>
             <a:r>
               <a:rPr lang="cs-CZ" dirty="0" err="1"/>
-              <a:t>tiepie</a:t>
+              <a:t>of</a:t>
             </a:r>
             <a:r>
               <a:rPr lang="cs-CZ" dirty="0"/>
-              <a:t>, XRD</a:t>
-            </a:r>
-          </a:p>
-          <a:p>
+              <a:t> </a:t>
+            </a:r>
+            <a:r>
+              <a:rPr lang="cs-CZ" dirty="0" err="1"/>
+              <a:t>datatype</a:t>
+            </a:r>
             <a:r>
               <a:rPr lang="cs-CZ" dirty="0"/>
-              <a:t>Binar data, </a:t>
+              <a:t> and </a:t>
             </a:r>
             <a:r>
               <a:rPr lang="cs-CZ" dirty="0" err="1"/>
-              <a:t>param</a:t>
+              <a:t>varagin</a:t>
             </a:r>
             <a:r>
               <a:rPr lang="cs-CZ" dirty="0"/>
-              <a:t> data, hit </a:t>
+              <a:t> </a:t>
             </a:r>
             <a:r>
               <a:rPr lang="cs-CZ" dirty="0" err="1"/>
-              <a:t>detectors</a:t>
+              <a:t>of</a:t>
             </a:r>
             <a:r>
               <a:rPr lang="cs-CZ" dirty="0"/>
-              <a:t>, </a:t>
+              <a:t> </a:t>
             </a:r>
             <a:r>
               <a:rPr lang="cs-CZ" dirty="0" err="1"/>
-              <a:t>events</a:t>
+              <a:t>the</a:t>
             </a:r>
             <a:r>
               <a:rPr lang="cs-CZ" dirty="0"/>
-              <a:t>)</a:t>
-            </a:r>
-          </a:p>
-        </p:txBody>
-      </p:sp>
-      <p:sp>
-        <p:nvSpPr>
-          <p:cNvPr id="84" name="TextovéPole 83">
-            <a:extLst>
-              <a:ext uri="{FF2B5EF4-FFF2-40B4-BE49-F238E27FC236}">
-                <a16:creationId xmlns:a16="http://schemas.microsoft.com/office/drawing/2014/main" id="{9362D23C-6DCE-4015-A5EB-CBAB7E150DDC}"/>
-              </a:ext>
-            </a:extLst>
-          </p:cNvPr>
-          <p:cNvSpPr txBox="1"/>
-          <p:nvPr/>
-        </p:nvSpPr>
-        <p:spPr>
-          <a:xfrm>
-            <a:off x="1020260" y="9351760"/>
-            <a:ext cx="3823211" cy="369332"/>
-          </a:xfrm>
-          <a:prstGeom prst="rect">
-            <a:avLst/>
-          </a:prstGeom>
-          <a:noFill/>
-        </p:spPr>
-        <p:txBody>
-          <a:bodyPr wrap="square" rtlCol="0">
-            <a:spAutoFit/>
-          </a:bodyPr>
-          <a:lstStyle/>
-          <a:p>
-            <a:r>
-              <a:rPr lang="cs-CZ" dirty="0" err="1"/>
-              <a:t>Horizontal</a:t>
-            </a:r>
-            <a:r>
-              <a:rPr lang="cs-CZ" dirty="0"/>
-              <a:t> (</a:t>
-            </a:r>
-            <a:r>
-              <a:rPr lang="cs-CZ" dirty="0" err="1"/>
-              <a:t>structure</a:t>
-            </a:r>
-            <a:r>
-              <a:rPr lang="cs-CZ" dirty="0"/>
-              <a:t> table)</a:t>
+              <a:t> input</a:t>
             </a:r>
           </a:p>
         </p:txBody>
@@ -5005,7 +4350,7 @@
         </p:nvGrpSpPr>
         <p:grpSpPr>
           <a:xfrm>
-            <a:off x="12627243" y="2374687"/>
+            <a:off x="5951237" y="472217"/>
             <a:ext cx="2050777" cy="1597712"/>
             <a:chOff x="1715679" y="1940516"/>
             <a:chExt cx="1348032" cy="1707658"/>
@@ -5223,10 +4568,10 @@
       </p:grpSp>
       <p:grpSp>
         <p:nvGrpSpPr>
-          <p:cNvPr id="91" name="Skupina 90">
+          <p:cNvPr id="69" name="Skupina 68">
             <a:extLst>
               <a:ext uri="{FF2B5EF4-FFF2-40B4-BE49-F238E27FC236}">
-                <a16:creationId xmlns:a16="http://schemas.microsoft.com/office/drawing/2014/main" id="{B2A6CD4A-8239-4E29-BF0D-64C53E14581C}"/>
+                <a16:creationId xmlns:a16="http://schemas.microsoft.com/office/drawing/2014/main" id="{A8C2FA8A-C631-4694-B6DD-FD361831CF36}"/>
               </a:ext>
             </a:extLst>
           </p:cNvPr>
@@ -5235,18 +4580,18 @@
         </p:nvGrpSpPr>
         <p:grpSpPr>
           <a:xfrm>
-            <a:off x="7501592" y="11572332"/>
-            <a:ext cx="1668714" cy="1979595"/>
-            <a:chOff x="1715679" y="1940516"/>
-            <a:chExt cx="1348032" cy="1707658"/>
+            <a:off x="3572091" y="10893399"/>
+            <a:ext cx="1994567" cy="2144344"/>
+            <a:chOff x="4355041" y="12787175"/>
+            <a:chExt cx="1994567" cy="2144344"/>
           </a:xfrm>
         </p:grpSpPr>
         <p:sp>
           <p:nvSpPr>
-            <p:cNvPr id="92" name="Obdélník: se zakulacenými rohy 91">
+            <p:cNvPr id="68" name="Obdélník: se zakulacenými rohy 67">
               <a:extLst>
                 <a:ext uri="{FF2B5EF4-FFF2-40B4-BE49-F238E27FC236}">
-                  <a16:creationId xmlns:a16="http://schemas.microsoft.com/office/drawing/2014/main" id="{943436B1-DDA3-46C9-8A85-7D15E4C3BE0F}"/>
+                  <a16:creationId xmlns:a16="http://schemas.microsoft.com/office/drawing/2014/main" id="{1913DC52-7168-485E-8C22-F3CDA2E55A77}"/>
                 </a:ext>
               </a:extLst>
             </p:cNvPr>
@@ -5255,16 +4600,15 @@
           </p:nvSpPr>
           <p:spPr>
             <a:xfrm>
-              <a:off x="1715679" y="2248296"/>
-              <a:ext cx="1348032" cy="1399878"/>
+              <a:off x="4680894" y="13308717"/>
+              <a:ext cx="1668714" cy="1622802"/>
             </a:xfrm>
             <a:prstGeom prst="roundRect">
               <a:avLst/>
             </a:prstGeom>
             <a:solidFill>
-              <a:schemeClr val="accent1">
-                <a:lumMod val="40000"/>
-                <a:lumOff val="60000"/>
+              <a:schemeClr val="bg1">
+                <a:lumMod val="85000"/>
               </a:schemeClr>
             </a:solidFill>
           </p:spPr>
@@ -5293,168 +4637,237 @@
             </a:p>
           </p:txBody>
         </p:sp>
-        <p:cxnSp>
-          <p:nvCxnSpPr>
-            <p:cNvPr id="93" name="Přímá spojnice 92">
+        <p:grpSp>
+          <p:nvGrpSpPr>
+            <p:cNvPr id="91" name="Skupina 90">
               <a:extLst>
                 <a:ext uri="{FF2B5EF4-FFF2-40B4-BE49-F238E27FC236}">
-                  <a16:creationId xmlns:a16="http://schemas.microsoft.com/office/drawing/2014/main" id="{5666A99B-71AA-4294-96CC-68329A07DC8F}"/>
+                  <a16:creationId xmlns:a16="http://schemas.microsoft.com/office/drawing/2014/main" id="{B2A6CD4A-8239-4E29-BF0D-64C53E14581C}"/>
                 </a:ext>
               </a:extLst>
             </p:cNvPr>
-            <p:cNvCxnSpPr>
-              <a:cxnSpLocks/>
-              <a:stCxn id="92" idx="1"/>
-              <a:endCxn id="92" idx="3"/>
-            </p:cNvCxnSpPr>
+            <p:cNvGrpSpPr/>
             <p:nvPr/>
-          </p:nvCxnSpPr>
-          <p:spPr>
+          </p:nvGrpSpPr>
+          <p:grpSpPr>
             <a:xfrm>
-              <a:off x="1715679" y="2948235"/>
-              <a:ext cx="1348032" cy="0"/>
+              <a:off x="4355041" y="12787175"/>
+              <a:ext cx="1668714" cy="1979595"/>
+              <a:chOff x="1715679" y="1940516"/>
+              <a:chExt cx="1348032" cy="1707658"/>
             </a:xfrm>
-            <a:prstGeom prst="line">
-              <a:avLst/>
-            </a:prstGeom>
-            <a:ln>
+          </p:grpSpPr>
+          <p:sp>
+            <p:nvSpPr>
+              <p:cNvPr id="92" name="Obdélník: se zakulacenými rohy 91">
+                <a:extLst>
+                  <a:ext uri="{FF2B5EF4-FFF2-40B4-BE49-F238E27FC236}">
+                    <a16:creationId xmlns:a16="http://schemas.microsoft.com/office/drawing/2014/main" id="{943436B1-DDA3-46C9-8A85-7D15E4C3BE0F}"/>
+                  </a:ext>
+                </a:extLst>
+              </p:cNvPr>
+              <p:cNvSpPr/>
+              <p:nvPr/>
+            </p:nvSpPr>
+            <p:spPr>
+              <a:xfrm>
+                <a:off x="1715679" y="2248296"/>
+                <a:ext cx="1348032" cy="1399878"/>
+              </a:xfrm>
+              <a:prstGeom prst="roundRect">
+                <a:avLst/>
+              </a:prstGeom>
               <a:solidFill>
+                <a:schemeClr val="accent1">
+                  <a:lumMod val="40000"/>
+                  <a:lumOff val="60000"/>
+                </a:schemeClr>
+              </a:solidFill>
+            </p:spPr>
+            <p:style>
+              <a:lnRef idx="2">
+                <a:schemeClr val="accent1">
+                  <a:shade val="50000"/>
+                </a:schemeClr>
+              </a:lnRef>
+              <a:fillRef idx="1">
+                <a:schemeClr val="accent1"/>
+              </a:fillRef>
+              <a:effectRef idx="0">
+                <a:schemeClr val="accent1"/>
+              </a:effectRef>
+              <a:fontRef idx="minor">
+                <a:schemeClr val="lt1"/>
+              </a:fontRef>
+            </p:style>
+            <p:txBody>
+              <a:bodyPr rtlCol="0" anchor="ctr"/>
+              <a:lstStyle/>
+              <a:p>
+                <a:pPr algn="ctr"/>
+                <a:endParaRPr lang="cs-CZ"/>
+              </a:p>
+            </p:txBody>
+          </p:sp>
+          <p:cxnSp>
+            <p:nvCxnSpPr>
+              <p:cNvPr id="93" name="Přímá spojnice 92">
+                <a:extLst>
+                  <a:ext uri="{FF2B5EF4-FFF2-40B4-BE49-F238E27FC236}">
+                    <a16:creationId xmlns:a16="http://schemas.microsoft.com/office/drawing/2014/main" id="{5666A99B-71AA-4294-96CC-68329A07DC8F}"/>
+                  </a:ext>
+                </a:extLst>
+              </p:cNvPr>
+              <p:cNvCxnSpPr>
+                <a:cxnSpLocks/>
+                <a:stCxn id="92" idx="1"/>
+                <a:endCxn id="92" idx="3"/>
+              </p:cNvCxnSpPr>
+              <p:nvPr/>
+            </p:nvCxnSpPr>
+            <p:spPr>
+              <a:xfrm>
+                <a:off x="1715679" y="2948235"/>
+                <a:ext cx="1348032" cy="0"/>
+              </a:xfrm>
+              <a:prstGeom prst="line">
+                <a:avLst/>
+              </a:prstGeom>
+              <a:ln>
+                <a:solidFill>
+                  <a:schemeClr val="tx1"/>
+                </a:solidFill>
+              </a:ln>
+            </p:spPr>
+            <p:style>
+              <a:lnRef idx="1">
+                <a:schemeClr val="accent1"/>
+              </a:lnRef>
+              <a:fillRef idx="0">
+                <a:schemeClr val="accent1"/>
+              </a:fillRef>
+              <a:effectRef idx="0">
+                <a:schemeClr val="accent1"/>
+              </a:effectRef>
+              <a:fontRef idx="minor">
                 <a:schemeClr val="tx1"/>
-              </a:solidFill>
-            </a:ln>
-          </p:spPr>
-          <p:style>
-            <a:lnRef idx="1">
-              <a:schemeClr val="accent1"/>
-            </a:lnRef>
-            <a:fillRef idx="0">
-              <a:schemeClr val="accent1"/>
-            </a:fillRef>
-            <a:effectRef idx="0">
-              <a:schemeClr val="accent1"/>
-            </a:effectRef>
-            <a:fontRef idx="minor">
-              <a:schemeClr val="tx1"/>
-            </a:fontRef>
-          </p:style>
-        </p:cxnSp>
-        <p:sp>
-          <p:nvSpPr>
-            <p:cNvPr id="94" name="TextovéPole 93">
-              <a:extLst>
-                <a:ext uri="{FF2B5EF4-FFF2-40B4-BE49-F238E27FC236}">
-                  <a16:creationId xmlns:a16="http://schemas.microsoft.com/office/drawing/2014/main" id="{04E64B0F-5EAB-4266-B43B-C3930B246534}"/>
-                </a:ext>
-              </a:extLst>
-            </p:cNvPr>
-            <p:cNvSpPr txBox="1"/>
-            <p:nvPr/>
-          </p:nvSpPr>
-          <p:spPr>
-            <a:xfrm>
-              <a:off x="1769244" y="2248294"/>
-              <a:ext cx="1238547" cy="240027"/>
-            </a:xfrm>
-            <a:prstGeom prst="rect">
-              <a:avLst/>
-            </a:prstGeom>
-            <a:noFill/>
-          </p:spPr>
-          <p:txBody>
-            <a:bodyPr wrap="square" rtlCol="0">
-              <a:spAutoFit/>
-            </a:bodyPr>
-            <a:lstStyle/>
-            <a:p>
-              <a:pPr algn="ctr"/>
-              <a:r>
-                <a:rPr lang="cs-CZ" sz="1201" b="1" dirty="0"/>
-                <a:t>[text 1]</a:t>
-              </a:r>
-            </a:p>
-          </p:txBody>
-        </p:sp>
-        <p:sp>
-          <p:nvSpPr>
-            <p:cNvPr id="95" name="TextovéPole 94">
-              <a:extLst>
-                <a:ext uri="{FF2B5EF4-FFF2-40B4-BE49-F238E27FC236}">
-                  <a16:creationId xmlns:a16="http://schemas.microsoft.com/office/drawing/2014/main" id="{716FD36A-1ABC-4BC8-87DA-C2555DDA04EB}"/>
-                </a:ext>
-              </a:extLst>
-            </p:cNvPr>
-            <p:cNvSpPr txBox="1"/>
-            <p:nvPr/>
-          </p:nvSpPr>
-          <p:spPr>
-            <a:xfrm>
-              <a:off x="1791092" y="2948235"/>
-              <a:ext cx="1238547" cy="240027"/>
-            </a:xfrm>
-            <a:prstGeom prst="rect">
-              <a:avLst/>
-            </a:prstGeom>
-            <a:noFill/>
-          </p:spPr>
-          <p:txBody>
-            <a:bodyPr wrap="square" rtlCol="0">
-              <a:spAutoFit/>
-            </a:bodyPr>
-            <a:lstStyle/>
-            <a:p>
-              <a:pPr algn="ctr"/>
-              <a:r>
-                <a:rPr lang="cs-CZ" sz="1201" dirty="0"/>
-                <a:t>[text 1]</a:t>
-              </a:r>
-            </a:p>
-          </p:txBody>
-        </p:sp>
-        <p:sp>
-          <p:nvSpPr>
-            <p:cNvPr id="96" name="TextovéPole 95">
-              <a:extLst>
-                <a:ext uri="{FF2B5EF4-FFF2-40B4-BE49-F238E27FC236}">
-                  <a16:creationId xmlns:a16="http://schemas.microsoft.com/office/drawing/2014/main" id="{4F939581-62A9-4118-ACFC-8044181952AD}"/>
-                </a:ext>
-              </a:extLst>
-            </p:cNvPr>
-            <p:cNvSpPr txBox="1"/>
-            <p:nvPr/>
-          </p:nvSpPr>
-          <p:spPr>
-            <a:xfrm>
-              <a:off x="1812941" y="1940516"/>
-              <a:ext cx="1194847" cy="266684"/>
-            </a:xfrm>
-            <a:prstGeom prst="rect">
-              <a:avLst/>
-            </a:prstGeom>
-            <a:noFill/>
-          </p:spPr>
-          <p:txBody>
-            <a:bodyPr wrap="square" rtlCol="0">
-              <a:spAutoFit/>
-            </a:bodyPr>
-            <a:lstStyle/>
-            <a:p>
-              <a:pPr algn="ctr"/>
-              <a:r>
-                <a:rPr lang="cs-CZ" sz="1401" dirty="0" err="1"/>
-                <a:t>Sym</a:t>
-              </a:r>
-              <a:r>
-                <a:rPr lang="cs-CZ" sz="1401" dirty="0"/>
-                <a:t> </a:t>
-              </a:r>
-              <a:r>
-                <a:rPr lang="cs-CZ" sz="1401" dirty="0" err="1"/>
-                <a:t>array</a:t>
-              </a:r>
-              <a:endParaRPr lang="cs-CZ" sz="1401" dirty="0"/>
-            </a:p>
-          </p:txBody>
-        </p:sp>
+              </a:fontRef>
+            </p:style>
+          </p:cxnSp>
+          <p:sp>
+            <p:nvSpPr>
+              <p:cNvPr id="94" name="TextovéPole 93">
+                <a:extLst>
+                  <a:ext uri="{FF2B5EF4-FFF2-40B4-BE49-F238E27FC236}">
+                    <a16:creationId xmlns:a16="http://schemas.microsoft.com/office/drawing/2014/main" id="{04E64B0F-5EAB-4266-B43B-C3930B246534}"/>
+                  </a:ext>
+                </a:extLst>
+              </p:cNvPr>
+              <p:cNvSpPr txBox="1"/>
+              <p:nvPr/>
+            </p:nvSpPr>
+            <p:spPr>
+              <a:xfrm>
+                <a:off x="1769244" y="2248294"/>
+                <a:ext cx="1238547" cy="240027"/>
+              </a:xfrm>
+              <a:prstGeom prst="rect">
+                <a:avLst/>
+              </a:prstGeom>
+              <a:noFill/>
+            </p:spPr>
+            <p:txBody>
+              <a:bodyPr wrap="square" rtlCol="0">
+                <a:spAutoFit/>
+              </a:bodyPr>
+              <a:lstStyle/>
+              <a:p>
+                <a:pPr algn="ctr"/>
+                <a:r>
+                  <a:rPr lang="cs-CZ" sz="1201" b="1" dirty="0"/>
+                  <a:t>[text 1]</a:t>
+                </a:r>
+              </a:p>
+            </p:txBody>
+          </p:sp>
+          <p:sp>
+            <p:nvSpPr>
+              <p:cNvPr id="95" name="TextovéPole 94">
+                <a:extLst>
+                  <a:ext uri="{FF2B5EF4-FFF2-40B4-BE49-F238E27FC236}">
+                    <a16:creationId xmlns:a16="http://schemas.microsoft.com/office/drawing/2014/main" id="{716FD36A-1ABC-4BC8-87DA-C2555DDA04EB}"/>
+                  </a:ext>
+                </a:extLst>
+              </p:cNvPr>
+              <p:cNvSpPr txBox="1"/>
+              <p:nvPr/>
+            </p:nvSpPr>
+            <p:spPr>
+              <a:xfrm>
+                <a:off x="1791092" y="2948235"/>
+                <a:ext cx="1238547" cy="240027"/>
+              </a:xfrm>
+              <a:prstGeom prst="rect">
+                <a:avLst/>
+              </a:prstGeom>
+              <a:noFill/>
+            </p:spPr>
+            <p:txBody>
+              <a:bodyPr wrap="square" rtlCol="0">
+                <a:spAutoFit/>
+              </a:bodyPr>
+              <a:lstStyle/>
+              <a:p>
+                <a:pPr algn="ctr"/>
+                <a:r>
+                  <a:rPr lang="cs-CZ" sz="1201" dirty="0"/>
+                  <a:t>[text 1]</a:t>
+                </a:r>
+              </a:p>
+            </p:txBody>
+          </p:sp>
+          <p:sp>
+            <p:nvSpPr>
+              <p:cNvPr id="96" name="TextovéPole 95">
+                <a:extLst>
+                  <a:ext uri="{FF2B5EF4-FFF2-40B4-BE49-F238E27FC236}">
+                    <a16:creationId xmlns:a16="http://schemas.microsoft.com/office/drawing/2014/main" id="{4F939581-62A9-4118-ACFC-8044181952AD}"/>
+                  </a:ext>
+                </a:extLst>
+              </p:cNvPr>
+              <p:cNvSpPr txBox="1"/>
+              <p:nvPr/>
+            </p:nvSpPr>
+            <p:spPr>
+              <a:xfrm>
+                <a:off x="1812941" y="1940516"/>
+                <a:ext cx="1194847" cy="266684"/>
+              </a:xfrm>
+              <a:prstGeom prst="rect">
+                <a:avLst/>
+              </a:prstGeom>
+              <a:noFill/>
+            </p:spPr>
+            <p:txBody>
+              <a:bodyPr wrap="square" rtlCol="0">
+                <a:spAutoFit/>
+              </a:bodyPr>
+              <a:lstStyle/>
+              <a:p>
+                <a:pPr algn="ctr"/>
+                <a:r>
+                  <a:rPr lang="cs-CZ" sz="1401" dirty="0"/>
+                  <a:t>Data </a:t>
+                </a:r>
+                <a:r>
+                  <a:rPr lang="cs-CZ" sz="1401" dirty="0" err="1"/>
+                  <a:t>types</a:t>
+                </a:r>
+                <a:endParaRPr lang="cs-CZ" sz="1401" dirty="0"/>
+              </a:p>
+            </p:txBody>
+          </p:sp>
+        </p:grpSp>
       </p:grpSp>
       <p:cxnSp>
         <p:nvCxnSpPr>
@@ -5472,9 +4885,9 @@
           <p:nvPr/>
         </p:nvCxnSpPr>
         <p:spPr>
-          <a:xfrm rot="16200000" flipH="1">
-            <a:off x="4081175" y="7291970"/>
-            <a:ext cx="2296695" cy="6264027"/>
+          <a:xfrm rot="5400000">
+            <a:off x="4079684" y="8097027"/>
+            <a:ext cx="3148723" cy="2444020"/>
           </a:xfrm>
           <a:prstGeom prst="curvedConnector3">
             <a:avLst/>
@@ -5518,9 +4931,9 @@
           <p:nvPr/>
         </p:nvCxnSpPr>
         <p:spPr>
-          <a:xfrm rot="5400000">
-            <a:off x="7221781" y="10411486"/>
-            <a:ext cx="2300601" cy="21090"/>
+          <a:xfrm rot="16200000" flipH="1">
+            <a:off x="1835106" y="8296470"/>
+            <a:ext cx="2933132" cy="2260725"/>
           </a:xfrm>
           <a:prstGeom prst="curvedConnector3">
             <a:avLst>
@@ -5560,21 +4973,27 @@
           </p:cNvPr>
           <p:cNvCxnSpPr>
             <a:cxnSpLocks/>
-            <a:stCxn id="96" idx="0"/>
+            <a:stCxn id="38" idx="0"/>
             <a:endCxn id="86" idx="2"/>
           </p:cNvCxnSpPr>
           <p:nvPr/>
         </p:nvCxnSpPr>
         <p:spPr>
           <a:xfrm rot="5400000" flipH="1" flipV="1">
-            <a:off x="7207118" y="5126818"/>
-            <a:ext cx="7599933" cy="5291096"/>
+            <a:off x="5091558" y="3880013"/>
+            <a:ext cx="3695152" cy="74984"/>
           </a:xfrm>
           <a:prstGeom prst="curvedConnector3">
             <a:avLst>
               <a:gd name="adj1" fmla="val 50000"/>
             </a:avLst>
           </a:prstGeom>
+          <a:ln w="15875">
+            <a:solidFill>
+              <a:schemeClr val="tx1"/>
+            </a:solidFill>
+            <a:prstDash val="dash"/>
+          </a:ln>
         </p:spPr>
         <p:style>
           <a:lnRef idx="1">
@@ -5605,7 +5024,7 @@
         </p:nvGrpSpPr>
         <p:grpSpPr>
           <a:xfrm>
-            <a:off x="12867373" y="7245847"/>
+            <a:off x="3742868" y="6190230"/>
             <a:ext cx="1668714" cy="1979595"/>
             <a:chOff x="1715679" y="1940516"/>
             <a:chExt cx="1348032" cy="1707658"/>
@@ -5844,8 +5263,8 @@
         </p:nvCxnSpPr>
         <p:spPr>
           <a:xfrm rot="16200000" flipV="1">
-            <a:off x="9372846" y="2891376"/>
-            <a:ext cx="1295807" cy="7413136"/>
+            <a:off x="3535092" y="5122510"/>
+            <a:ext cx="1863225" cy="272216"/>
           </a:xfrm>
           <a:prstGeom prst="curvedConnector3">
             <a:avLst>
@@ -5882,7 +5301,7 @@
         </p:nvGrpSpPr>
         <p:grpSpPr>
           <a:xfrm>
-            <a:off x="8334492" y="751516"/>
+            <a:off x="1171508" y="260551"/>
             <a:ext cx="2050777" cy="1597712"/>
             <a:chOff x="1715679" y="1940516"/>
             <a:chExt cx="1348032" cy="1707658"/>
@@ -6101,6 +5520,2073 @@
               <a:r>
                 <a:rPr lang="cs-CZ" sz="1401" dirty="0" err="1"/>
                 <a:t>Fetch</a:t>
+              </a:r>
+              <a:endParaRPr lang="cs-CZ" sz="1401" dirty="0"/>
+            </a:p>
+          </p:txBody>
+        </p:sp>
+      </p:grpSp>
+      <p:cxnSp>
+        <p:nvCxnSpPr>
+          <p:cNvPr id="6" name="Spojnice: zakřivená 5">
+            <a:extLst>
+              <a:ext uri="{FF2B5EF4-FFF2-40B4-BE49-F238E27FC236}">
+                <a16:creationId xmlns:a16="http://schemas.microsoft.com/office/drawing/2014/main" id="{A2E23C2C-A4D4-44C5-9729-9FF9FE4FEF35}"/>
+              </a:ext>
+            </a:extLst>
+          </p:cNvPr>
+          <p:cNvCxnSpPr>
+            <a:cxnSpLocks/>
+            <a:stCxn id="34" idx="3"/>
+            <a:endCxn id="12" idx="2"/>
+          </p:cNvCxnSpPr>
+          <p:nvPr/>
+        </p:nvCxnSpPr>
+        <p:spPr>
+          <a:xfrm flipV="1">
+            <a:off x="7710412" y="4634087"/>
+            <a:ext cx="2444659" cy="2299188"/>
+          </a:xfrm>
+          <a:prstGeom prst="curvedConnector2">
+            <a:avLst/>
+          </a:prstGeom>
+          <a:ln>
+            <a:tailEnd type="triangle"/>
+          </a:ln>
+        </p:spPr>
+        <p:style>
+          <a:lnRef idx="1">
+            <a:schemeClr val="dk1"/>
+          </a:lnRef>
+          <a:fillRef idx="0">
+            <a:schemeClr val="dk1"/>
+          </a:fillRef>
+          <a:effectRef idx="0">
+            <a:schemeClr val="dk1"/>
+          </a:effectRef>
+          <a:fontRef idx="minor">
+            <a:schemeClr val="tx1"/>
+          </a:fontRef>
+        </p:style>
+      </p:cxnSp>
+      <p:sp>
+        <p:nvSpPr>
+          <p:cNvPr id="12" name="Kosočtverec 11">
+            <a:extLst>
+              <a:ext uri="{FF2B5EF4-FFF2-40B4-BE49-F238E27FC236}">
+                <a16:creationId xmlns:a16="http://schemas.microsoft.com/office/drawing/2014/main" id="{A05B9995-37D7-4B9B-B342-C7D72A950C61}"/>
+              </a:ext>
+            </a:extLst>
+          </p:cNvPr>
+          <p:cNvSpPr/>
+          <p:nvPr/>
+        </p:nvSpPr>
+        <p:spPr>
+          <a:xfrm>
+            <a:off x="9129683" y="2613423"/>
+            <a:ext cx="2050776" cy="2020664"/>
+          </a:xfrm>
+          <a:prstGeom prst="diamond">
+            <a:avLst/>
+          </a:prstGeom>
+        </p:spPr>
+        <p:style>
+          <a:lnRef idx="2">
+            <a:schemeClr val="accent1">
+              <a:shade val="50000"/>
+            </a:schemeClr>
+          </a:lnRef>
+          <a:fillRef idx="1">
+            <a:schemeClr val="accent1"/>
+          </a:fillRef>
+          <a:effectRef idx="0">
+            <a:schemeClr val="accent1"/>
+          </a:effectRef>
+          <a:fontRef idx="minor">
+            <a:schemeClr val="lt1"/>
+          </a:fontRef>
+        </p:style>
+        <p:txBody>
+          <a:bodyPr rtlCol="0" anchor="ctr"/>
+          <a:lstStyle/>
+          <a:p>
+            <a:pPr algn="ctr"/>
+            <a:r>
+              <a:rPr lang="cs-CZ" dirty="0" err="1"/>
+              <a:t>Key</a:t>
+            </a:r>
+            <a:r>
+              <a:rPr lang="cs-CZ" dirty="0"/>
+              <a:t> / </a:t>
+            </a:r>
+            <a:r>
+              <a:rPr lang="cs-CZ" dirty="0" err="1"/>
+              <a:t>withou</a:t>
+            </a:r>
+            <a:r>
+              <a:rPr lang="cs-CZ" dirty="0"/>
+              <a:t> </a:t>
+            </a:r>
+            <a:r>
+              <a:rPr lang="cs-CZ" dirty="0" err="1"/>
+              <a:t>key</a:t>
+            </a:r>
+            <a:endParaRPr lang="cs-CZ" dirty="0"/>
+          </a:p>
+        </p:txBody>
+      </p:sp>
+      <p:cxnSp>
+        <p:nvCxnSpPr>
+          <p:cNvPr id="97" name="Spojnice: zakřivená 96">
+            <a:extLst>
+              <a:ext uri="{FF2B5EF4-FFF2-40B4-BE49-F238E27FC236}">
+                <a16:creationId xmlns:a16="http://schemas.microsoft.com/office/drawing/2014/main" id="{893EC2C7-D7ED-4F99-B858-57E12CE12D63}"/>
+              </a:ext>
+            </a:extLst>
+          </p:cNvPr>
+          <p:cNvCxnSpPr>
+            <a:cxnSpLocks/>
+            <a:stCxn id="12" idx="0"/>
+            <a:endCxn id="5" idx="1"/>
+          </p:cNvCxnSpPr>
+          <p:nvPr/>
+        </p:nvCxnSpPr>
+        <p:spPr>
+          <a:xfrm rot="16200000" flipH="1">
+            <a:off x="10751998" y="2016495"/>
+            <a:ext cx="843335" cy="2037191"/>
+          </a:xfrm>
+          <a:prstGeom prst="curvedConnector4">
+            <a:avLst>
+              <a:gd name="adj1" fmla="val -27107"/>
+              <a:gd name="adj2" fmla="val 75167"/>
+            </a:avLst>
+          </a:prstGeom>
+          <a:ln>
+            <a:tailEnd type="triangle"/>
+          </a:ln>
+        </p:spPr>
+        <p:style>
+          <a:lnRef idx="1">
+            <a:schemeClr val="dk1"/>
+          </a:lnRef>
+          <a:fillRef idx="0">
+            <a:schemeClr val="dk1"/>
+          </a:fillRef>
+          <a:effectRef idx="0">
+            <a:schemeClr val="dk1"/>
+          </a:effectRef>
+          <a:fontRef idx="minor">
+            <a:schemeClr val="tx1"/>
+          </a:fontRef>
+        </p:style>
+      </p:cxnSp>
+      <p:cxnSp>
+        <p:nvCxnSpPr>
+          <p:cNvPr id="99" name="Spojnice: zakřivená 98">
+            <a:extLst>
+              <a:ext uri="{FF2B5EF4-FFF2-40B4-BE49-F238E27FC236}">
+                <a16:creationId xmlns:a16="http://schemas.microsoft.com/office/drawing/2014/main" id="{56A37C5B-9152-4F6F-84B2-4ED6D0E683C8}"/>
+              </a:ext>
+            </a:extLst>
+          </p:cNvPr>
+          <p:cNvCxnSpPr>
+            <a:cxnSpLocks/>
+            <a:stCxn id="46" idx="2"/>
+            <a:endCxn id="96" idx="0"/>
+          </p:cNvCxnSpPr>
+          <p:nvPr/>
+        </p:nvCxnSpPr>
+        <p:spPr>
+          <a:xfrm rot="16200000" flipH="1">
+            <a:off x="2770392" y="9231755"/>
+            <a:ext cx="285235" cy="3038051"/>
+          </a:xfrm>
+          <a:prstGeom prst="curvedConnector3">
+            <a:avLst>
+              <a:gd name="adj1" fmla="val 50000"/>
+            </a:avLst>
+          </a:prstGeom>
+          <a:ln w="15875">
+            <a:solidFill>
+              <a:schemeClr val="tx1"/>
+            </a:solidFill>
+            <a:prstDash val="dash"/>
+          </a:ln>
+        </p:spPr>
+        <p:style>
+          <a:lnRef idx="1">
+            <a:schemeClr val="accent1"/>
+          </a:lnRef>
+          <a:fillRef idx="0">
+            <a:schemeClr val="accent1"/>
+          </a:fillRef>
+          <a:effectRef idx="0">
+            <a:schemeClr val="accent1"/>
+          </a:effectRef>
+          <a:fontRef idx="minor">
+            <a:schemeClr val="tx1"/>
+          </a:fontRef>
+        </p:style>
+      </p:cxnSp>
+      <p:grpSp>
+        <p:nvGrpSpPr>
+          <p:cNvPr id="107" name="Skupina 106">
+            <a:extLst>
+              <a:ext uri="{FF2B5EF4-FFF2-40B4-BE49-F238E27FC236}">
+                <a16:creationId xmlns:a16="http://schemas.microsoft.com/office/drawing/2014/main" id="{6D60E0BC-36AC-413D-8597-2A97F8DCB7A7}"/>
+              </a:ext>
+            </a:extLst>
+          </p:cNvPr>
+          <p:cNvGrpSpPr/>
+          <p:nvPr/>
+        </p:nvGrpSpPr>
+        <p:grpSpPr>
+          <a:xfrm>
+            <a:off x="6438676" y="13289567"/>
+            <a:ext cx="1668714" cy="1979595"/>
+            <a:chOff x="1715679" y="1940516"/>
+            <a:chExt cx="1348032" cy="1707658"/>
+          </a:xfrm>
+        </p:grpSpPr>
+        <p:sp>
+          <p:nvSpPr>
+            <p:cNvPr id="115" name="Obdélník: se zakulacenými rohy 114">
+              <a:extLst>
+                <a:ext uri="{FF2B5EF4-FFF2-40B4-BE49-F238E27FC236}">
+                  <a16:creationId xmlns:a16="http://schemas.microsoft.com/office/drawing/2014/main" id="{53A03582-E8E3-4CC1-85B7-33F9F6001F42}"/>
+                </a:ext>
+              </a:extLst>
+            </p:cNvPr>
+            <p:cNvSpPr/>
+            <p:nvPr/>
+          </p:nvSpPr>
+          <p:spPr>
+            <a:xfrm>
+              <a:off x="1715679" y="2248296"/>
+              <a:ext cx="1348032" cy="1399878"/>
+            </a:xfrm>
+            <a:prstGeom prst="roundRect">
+              <a:avLst/>
+            </a:prstGeom>
+            <a:solidFill>
+              <a:schemeClr val="accent1">
+                <a:lumMod val="40000"/>
+                <a:lumOff val="60000"/>
+              </a:schemeClr>
+            </a:solidFill>
+          </p:spPr>
+          <p:style>
+            <a:lnRef idx="2">
+              <a:schemeClr val="accent1">
+                <a:shade val="50000"/>
+              </a:schemeClr>
+            </a:lnRef>
+            <a:fillRef idx="1">
+              <a:schemeClr val="accent1"/>
+            </a:fillRef>
+            <a:effectRef idx="0">
+              <a:schemeClr val="accent1"/>
+            </a:effectRef>
+            <a:fontRef idx="minor">
+              <a:schemeClr val="lt1"/>
+            </a:fontRef>
+          </p:style>
+          <p:txBody>
+            <a:bodyPr rtlCol="0" anchor="ctr"/>
+            <a:lstStyle/>
+            <a:p>
+              <a:pPr algn="ctr"/>
+              <a:endParaRPr lang="cs-CZ"/>
+            </a:p>
+          </p:txBody>
+        </p:sp>
+        <p:cxnSp>
+          <p:nvCxnSpPr>
+            <p:cNvPr id="116" name="Přímá spojnice 115">
+              <a:extLst>
+                <a:ext uri="{FF2B5EF4-FFF2-40B4-BE49-F238E27FC236}">
+                  <a16:creationId xmlns:a16="http://schemas.microsoft.com/office/drawing/2014/main" id="{5B01CA00-03E9-4444-A471-588668C7CAAC}"/>
+                </a:ext>
+              </a:extLst>
+            </p:cNvPr>
+            <p:cNvCxnSpPr>
+              <a:cxnSpLocks/>
+              <a:stCxn id="115" idx="1"/>
+              <a:endCxn id="115" idx="3"/>
+            </p:cNvCxnSpPr>
+            <p:nvPr/>
+          </p:nvCxnSpPr>
+          <p:spPr>
+            <a:xfrm>
+              <a:off x="1715679" y="2948235"/>
+              <a:ext cx="1348032" cy="0"/>
+            </a:xfrm>
+            <a:prstGeom prst="line">
+              <a:avLst/>
+            </a:prstGeom>
+            <a:ln>
+              <a:solidFill>
+                <a:schemeClr val="tx1"/>
+              </a:solidFill>
+            </a:ln>
+          </p:spPr>
+          <p:style>
+            <a:lnRef idx="1">
+              <a:schemeClr val="accent1"/>
+            </a:lnRef>
+            <a:fillRef idx="0">
+              <a:schemeClr val="accent1"/>
+            </a:fillRef>
+            <a:effectRef idx="0">
+              <a:schemeClr val="accent1"/>
+            </a:effectRef>
+            <a:fontRef idx="minor">
+              <a:schemeClr val="tx1"/>
+            </a:fontRef>
+          </p:style>
+        </p:cxnSp>
+        <p:sp>
+          <p:nvSpPr>
+            <p:cNvPr id="117" name="TextovéPole 116">
+              <a:extLst>
+                <a:ext uri="{FF2B5EF4-FFF2-40B4-BE49-F238E27FC236}">
+                  <a16:creationId xmlns:a16="http://schemas.microsoft.com/office/drawing/2014/main" id="{99BE4EBB-0E06-4A66-8316-8E2CBAC19ACA}"/>
+                </a:ext>
+              </a:extLst>
+            </p:cNvPr>
+            <p:cNvSpPr txBox="1"/>
+            <p:nvPr/>
+          </p:nvSpPr>
+          <p:spPr>
+            <a:xfrm>
+              <a:off x="1769244" y="2248294"/>
+              <a:ext cx="1238547" cy="240027"/>
+            </a:xfrm>
+            <a:prstGeom prst="rect">
+              <a:avLst/>
+            </a:prstGeom>
+            <a:noFill/>
+          </p:spPr>
+          <p:txBody>
+            <a:bodyPr wrap="square" rtlCol="0">
+              <a:spAutoFit/>
+            </a:bodyPr>
+            <a:lstStyle/>
+            <a:p>
+              <a:pPr algn="ctr"/>
+              <a:r>
+                <a:rPr lang="cs-CZ" sz="1201" b="1" dirty="0"/>
+                <a:t>[text 1]</a:t>
+              </a:r>
+            </a:p>
+          </p:txBody>
+        </p:sp>
+        <p:sp>
+          <p:nvSpPr>
+            <p:cNvPr id="118" name="TextovéPole 117">
+              <a:extLst>
+                <a:ext uri="{FF2B5EF4-FFF2-40B4-BE49-F238E27FC236}">
+                  <a16:creationId xmlns:a16="http://schemas.microsoft.com/office/drawing/2014/main" id="{18F9F2AA-E2C4-41D3-85CB-E80DF8148301}"/>
+                </a:ext>
+              </a:extLst>
+            </p:cNvPr>
+            <p:cNvSpPr txBox="1"/>
+            <p:nvPr/>
+          </p:nvSpPr>
+          <p:spPr>
+            <a:xfrm>
+              <a:off x="1791092" y="2948235"/>
+              <a:ext cx="1238547" cy="240027"/>
+            </a:xfrm>
+            <a:prstGeom prst="rect">
+              <a:avLst/>
+            </a:prstGeom>
+            <a:noFill/>
+          </p:spPr>
+          <p:txBody>
+            <a:bodyPr wrap="square" rtlCol="0">
+              <a:spAutoFit/>
+            </a:bodyPr>
+            <a:lstStyle/>
+            <a:p>
+              <a:pPr algn="ctr"/>
+              <a:r>
+                <a:rPr lang="cs-CZ" sz="1201" dirty="0"/>
+                <a:t>[text 1]</a:t>
+              </a:r>
+            </a:p>
+          </p:txBody>
+        </p:sp>
+        <p:sp>
+          <p:nvSpPr>
+            <p:cNvPr id="119" name="TextovéPole 118">
+              <a:extLst>
+                <a:ext uri="{FF2B5EF4-FFF2-40B4-BE49-F238E27FC236}">
+                  <a16:creationId xmlns:a16="http://schemas.microsoft.com/office/drawing/2014/main" id="{D21B5148-2D7C-4989-9785-78035B40AC4A}"/>
+                </a:ext>
+              </a:extLst>
+            </p:cNvPr>
+            <p:cNvSpPr txBox="1"/>
+            <p:nvPr/>
+          </p:nvSpPr>
+          <p:spPr>
+            <a:xfrm>
+              <a:off x="1812941" y="1940516"/>
+              <a:ext cx="1194847" cy="266684"/>
+            </a:xfrm>
+            <a:prstGeom prst="rect">
+              <a:avLst/>
+            </a:prstGeom>
+            <a:noFill/>
+          </p:spPr>
+          <p:txBody>
+            <a:bodyPr wrap="square" rtlCol="0">
+              <a:spAutoFit/>
+            </a:bodyPr>
+            <a:lstStyle/>
+            <a:p>
+              <a:pPr algn="ctr"/>
+              <a:r>
+                <a:rPr lang="cs-CZ" sz="1401" dirty="0" err="1"/>
+                <a:t>FileLoader</a:t>
+              </a:r>
+              <a:endParaRPr lang="cs-CZ" sz="1401" dirty="0"/>
+            </a:p>
+          </p:txBody>
+        </p:sp>
+      </p:grpSp>
+      <p:cxnSp>
+        <p:nvCxnSpPr>
+          <p:cNvPr id="120" name="Spojnice: zakřivená 119">
+            <a:extLst>
+              <a:ext uri="{FF2B5EF4-FFF2-40B4-BE49-F238E27FC236}">
+                <a16:creationId xmlns:a16="http://schemas.microsoft.com/office/drawing/2014/main" id="{89BE2837-A8C8-4F96-9382-482868FA8F17}"/>
+              </a:ext>
+            </a:extLst>
+          </p:cNvPr>
+          <p:cNvCxnSpPr>
+            <a:cxnSpLocks/>
+            <a:stCxn id="92" idx="2"/>
+            <a:endCxn id="117" idx="0"/>
+          </p:cNvCxnSpPr>
+          <p:nvPr/>
+        </p:nvCxnSpPr>
+        <p:spPr>
+          <a:xfrm rot="16200000" flipH="1">
+            <a:off x="5452331" y="11827111"/>
+            <a:ext cx="773363" cy="2865128"/>
+          </a:xfrm>
+          <a:prstGeom prst="curvedConnector3">
+            <a:avLst>
+              <a:gd name="adj1" fmla="val 50000"/>
+            </a:avLst>
+          </a:prstGeom>
+          <a:ln w="15875">
+            <a:solidFill>
+              <a:schemeClr val="accent1"/>
+            </a:solidFill>
+            <a:prstDash val="solid"/>
+          </a:ln>
+        </p:spPr>
+        <p:style>
+          <a:lnRef idx="1">
+            <a:schemeClr val="accent1"/>
+          </a:lnRef>
+          <a:fillRef idx="0">
+            <a:schemeClr val="accent1"/>
+          </a:fillRef>
+          <a:effectRef idx="0">
+            <a:schemeClr val="accent1"/>
+          </a:effectRef>
+          <a:fontRef idx="minor">
+            <a:schemeClr val="tx1"/>
+          </a:fontRef>
+        </p:style>
+      </p:cxnSp>
+      <p:cxnSp>
+        <p:nvCxnSpPr>
+          <p:cNvPr id="121" name="Spojnice: zakřivená 120">
+            <a:extLst>
+              <a:ext uri="{FF2B5EF4-FFF2-40B4-BE49-F238E27FC236}">
+                <a16:creationId xmlns:a16="http://schemas.microsoft.com/office/drawing/2014/main" id="{83021AAE-C001-4081-B070-9A44925F8220}"/>
+              </a:ext>
+            </a:extLst>
+          </p:cNvPr>
+          <p:cNvCxnSpPr>
+            <a:cxnSpLocks/>
+            <a:stCxn id="29" idx="0"/>
+            <a:endCxn id="134" idx="2"/>
+          </p:cNvCxnSpPr>
+          <p:nvPr/>
+        </p:nvCxnSpPr>
+        <p:spPr>
+          <a:xfrm rot="16200000" flipV="1">
+            <a:off x="3029430" y="1025731"/>
+            <a:ext cx="506079" cy="2171144"/>
+          </a:xfrm>
+          <a:prstGeom prst="curvedConnector3">
+            <a:avLst>
+              <a:gd name="adj1" fmla="val 50000"/>
+            </a:avLst>
+          </a:prstGeom>
+        </p:spPr>
+        <p:style>
+          <a:lnRef idx="1">
+            <a:schemeClr val="accent1"/>
+          </a:lnRef>
+          <a:fillRef idx="0">
+            <a:schemeClr val="accent1"/>
+          </a:fillRef>
+          <a:effectRef idx="0">
+            <a:schemeClr val="accent1"/>
+          </a:effectRef>
+          <a:fontRef idx="minor">
+            <a:schemeClr val="tx1"/>
+          </a:fontRef>
+        </p:style>
+      </p:cxnSp>
+      <p:cxnSp>
+        <p:nvCxnSpPr>
+          <p:cNvPr id="123" name="Spojnice: zakřivená 122">
+            <a:extLst>
+              <a:ext uri="{FF2B5EF4-FFF2-40B4-BE49-F238E27FC236}">
+                <a16:creationId xmlns:a16="http://schemas.microsoft.com/office/drawing/2014/main" id="{67477504-22AD-44FB-822E-A8F6CC2D3AD2}"/>
+              </a:ext>
+            </a:extLst>
+          </p:cNvPr>
+          <p:cNvCxnSpPr>
+            <a:cxnSpLocks/>
+            <a:stCxn id="113" idx="0"/>
+            <a:endCxn id="86" idx="2"/>
+          </p:cNvCxnSpPr>
+          <p:nvPr/>
+        </p:nvCxnSpPr>
+        <p:spPr>
+          <a:xfrm rot="5400000" flipH="1" flipV="1">
+            <a:off x="3729569" y="2943173"/>
+            <a:ext cx="4120301" cy="2373814"/>
+          </a:xfrm>
+          <a:prstGeom prst="curvedConnector3">
+            <a:avLst>
+              <a:gd name="adj1" fmla="val 50000"/>
+            </a:avLst>
+          </a:prstGeom>
+          <a:ln w="15875">
+            <a:solidFill>
+              <a:schemeClr val="tx1"/>
+            </a:solidFill>
+            <a:prstDash val="dash"/>
+          </a:ln>
+        </p:spPr>
+        <p:style>
+          <a:lnRef idx="1">
+            <a:schemeClr val="accent1"/>
+          </a:lnRef>
+          <a:fillRef idx="0">
+            <a:schemeClr val="accent1"/>
+          </a:fillRef>
+          <a:effectRef idx="0">
+            <a:schemeClr val="accent1"/>
+          </a:effectRef>
+          <a:fontRef idx="minor">
+            <a:schemeClr val="tx1"/>
+          </a:fontRef>
+        </p:style>
+      </p:cxnSp>
+      <p:cxnSp>
+        <p:nvCxnSpPr>
+          <p:cNvPr id="126" name="Spojnice: zakřivená 125">
+            <a:extLst>
+              <a:ext uri="{FF2B5EF4-FFF2-40B4-BE49-F238E27FC236}">
+                <a16:creationId xmlns:a16="http://schemas.microsoft.com/office/drawing/2014/main" id="{D59D48E7-5E3F-45F6-96F4-D5FE8334B136}"/>
+              </a:ext>
+            </a:extLst>
+          </p:cNvPr>
+          <p:cNvCxnSpPr>
+            <a:cxnSpLocks/>
+            <a:stCxn id="44" idx="0"/>
+            <a:endCxn id="86" idx="2"/>
+          </p:cNvCxnSpPr>
+          <p:nvPr/>
+        </p:nvCxnSpPr>
+        <p:spPr>
+          <a:xfrm rot="5400000" flipH="1" flipV="1">
+            <a:off x="2631390" y="1635437"/>
+            <a:ext cx="3910743" cy="4779729"/>
+          </a:xfrm>
+          <a:prstGeom prst="curvedConnector3">
+            <a:avLst>
+              <a:gd name="adj1" fmla="val 50000"/>
+            </a:avLst>
+          </a:prstGeom>
+          <a:ln w="15875">
+            <a:solidFill>
+              <a:schemeClr val="tx1"/>
+            </a:solidFill>
+            <a:prstDash val="dash"/>
+          </a:ln>
+        </p:spPr>
+        <p:style>
+          <a:lnRef idx="1">
+            <a:schemeClr val="accent1"/>
+          </a:lnRef>
+          <a:fillRef idx="0">
+            <a:schemeClr val="accent1"/>
+          </a:fillRef>
+          <a:effectRef idx="0">
+            <a:schemeClr val="accent1"/>
+          </a:effectRef>
+          <a:fontRef idx="minor">
+            <a:schemeClr val="tx1"/>
+          </a:fontRef>
+        </p:style>
+      </p:cxnSp>
+      <p:grpSp>
+        <p:nvGrpSpPr>
+          <p:cNvPr id="130" name="Skupina 129">
+            <a:extLst>
+              <a:ext uri="{FF2B5EF4-FFF2-40B4-BE49-F238E27FC236}">
+                <a16:creationId xmlns:a16="http://schemas.microsoft.com/office/drawing/2014/main" id="{72378997-9C32-4264-925D-F9B7DA53F332}"/>
+              </a:ext>
+            </a:extLst>
+          </p:cNvPr>
+          <p:cNvGrpSpPr/>
+          <p:nvPr/>
+        </p:nvGrpSpPr>
+        <p:grpSpPr>
+          <a:xfrm>
+            <a:off x="14969409" y="3459295"/>
+            <a:ext cx="1668714" cy="1979595"/>
+            <a:chOff x="1715679" y="1940516"/>
+            <a:chExt cx="1348032" cy="1707658"/>
+          </a:xfrm>
+        </p:grpSpPr>
+        <p:sp>
+          <p:nvSpPr>
+            <p:cNvPr id="131" name="Obdélník: se zakulacenými rohy 130">
+              <a:extLst>
+                <a:ext uri="{FF2B5EF4-FFF2-40B4-BE49-F238E27FC236}">
+                  <a16:creationId xmlns:a16="http://schemas.microsoft.com/office/drawing/2014/main" id="{ADC12E94-FB59-4A56-863B-3188F7E99D2B}"/>
+                </a:ext>
+              </a:extLst>
+            </p:cNvPr>
+            <p:cNvSpPr/>
+            <p:nvPr/>
+          </p:nvSpPr>
+          <p:spPr>
+            <a:xfrm>
+              <a:off x="1715679" y="2248296"/>
+              <a:ext cx="1348032" cy="1399878"/>
+            </a:xfrm>
+            <a:prstGeom prst="roundRect">
+              <a:avLst/>
+            </a:prstGeom>
+            <a:solidFill>
+              <a:schemeClr val="accent1">
+                <a:lumMod val="40000"/>
+                <a:lumOff val="60000"/>
+              </a:schemeClr>
+            </a:solidFill>
+          </p:spPr>
+          <p:style>
+            <a:lnRef idx="2">
+              <a:schemeClr val="accent1">
+                <a:shade val="50000"/>
+              </a:schemeClr>
+            </a:lnRef>
+            <a:fillRef idx="1">
+              <a:schemeClr val="accent1"/>
+            </a:fillRef>
+            <a:effectRef idx="0">
+              <a:schemeClr val="accent1"/>
+            </a:effectRef>
+            <a:fontRef idx="minor">
+              <a:schemeClr val="lt1"/>
+            </a:fontRef>
+          </p:style>
+          <p:txBody>
+            <a:bodyPr rtlCol="0" anchor="ctr"/>
+            <a:lstStyle/>
+            <a:p>
+              <a:pPr algn="ctr"/>
+              <a:endParaRPr lang="cs-CZ"/>
+            </a:p>
+          </p:txBody>
+        </p:sp>
+        <p:cxnSp>
+          <p:nvCxnSpPr>
+            <p:cNvPr id="132" name="Přímá spojnice 131">
+              <a:extLst>
+                <a:ext uri="{FF2B5EF4-FFF2-40B4-BE49-F238E27FC236}">
+                  <a16:creationId xmlns:a16="http://schemas.microsoft.com/office/drawing/2014/main" id="{051A5163-F77F-4A55-9C0A-B5EEF6235CB2}"/>
+                </a:ext>
+              </a:extLst>
+            </p:cNvPr>
+            <p:cNvCxnSpPr>
+              <a:cxnSpLocks/>
+              <a:stCxn id="131" idx="1"/>
+              <a:endCxn id="131" idx="3"/>
+            </p:cNvCxnSpPr>
+            <p:nvPr/>
+          </p:nvCxnSpPr>
+          <p:spPr>
+            <a:xfrm>
+              <a:off x="1715679" y="2948235"/>
+              <a:ext cx="1348032" cy="0"/>
+            </a:xfrm>
+            <a:prstGeom prst="line">
+              <a:avLst/>
+            </a:prstGeom>
+            <a:ln>
+              <a:solidFill>
+                <a:schemeClr val="tx1"/>
+              </a:solidFill>
+            </a:ln>
+          </p:spPr>
+          <p:style>
+            <a:lnRef idx="1">
+              <a:schemeClr val="accent1"/>
+            </a:lnRef>
+            <a:fillRef idx="0">
+              <a:schemeClr val="accent1"/>
+            </a:fillRef>
+            <a:effectRef idx="0">
+              <a:schemeClr val="accent1"/>
+            </a:effectRef>
+            <a:fontRef idx="minor">
+              <a:schemeClr val="tx1"/>
+            </a:fontRef>
+          </p:style>
+        </p:cxnSp>
+        <p:sp>
+          <p:nvSpPr>
+            <p:cNvPr id="139" name="TextovéPole 138">
+              <a:extLst>
+                <a:ext uri="{FF2B5EF4-FFF2-40B4-BE49-F238E27FC236}">
+                  <a16:creationId xmlns:a16="http://schemas.microsoft.com/office/drawing/2014/main" id="{9E47B5ED-3BE0-4215-8E62-1D29E86191CE}"/>
+                </a:ext>
+              </a:extLst>
+            </p:cNvPr>
+            <p:cNvSpPr txBox="1"/>
+            <p:nvPr/>
+          </p:nvSpPr>
+          <p:spPr>
+            <a:xfrm>
+              <a:off x="1769244" y="2248294"/>
+              <a:ext cx="1238547" cy="240027"/>
+            </a:xfrm>
+            <a:prstGeom prst="rect">
+              <a:avLst/>
+            </a:prstGeom>
+            <a:noFill/>
+          </p:spPr>
+          <p:txBody>
+            <a:bodyPr wrap="square" rtlCol="0">
+              <a:spAutoFit/>
+            </a:bodyPr>
+            <a:lstStyle/>
+            <a:p>
+              <a:pPr algn="ctr"/>
+              <a:r>
+                <a:rPr lang="cs-CZ" sz="1201" b="1" dirty="0"/>
+                <a:t>[text 1]</a:t>
+              </a:r>
+            </a:p>
+          </p:txBody>
+        </p:sp>
+        <p:sp>
+          <p:nvSpPr>
+            <p:cNvPr id="140" name="TextovéPole 139">
+              <a:extLst>
+                <a:ext uri="{FF2B5EF4-FFF2-40B4-BE49-F238E27FC236}">
+                  <a16:creationId xmlns:a16="http://schemas.microsoft.com/office/drawing/2014/main" id="{3B2C2241-0B7C-4EEA-B2FE-CA064DC14B25}"/>
+                </a:ext>
+              </a:extLst>
+            </p:cNvPr>
+            <p:cNvSpPr txBox="1"/>
+            <p:nvPr/>
+          </p:nvSpPr>
+          <p:spPr>
+            <a:xfrm>
+              <a:off x="1791092" y="2948235"/>
+              <a:ext cx="1238547" cy="240027"/>
+            </a:xfrm>
+            <a:prstGeom prst="rect">
+              <a:avLst/>
+            </a:prstGeom>
+            <a:noFill/>
+          </p:spPr>
+          <p:txBody>
+            <a:bodyPr wrap="square" rtlCol="0">
+              <a:spAutoFit/>
+            </a:bodyPr>
+            <a:lstStyle/>
+            <a:p>
+              <a:pPr algn="ctr"/>
+              <a:r>
+                <a:rPr lang="cs-CZ" sz="1201" dirty="0"/>
+                <a:t>[text 1]</a:t>
+              </a:r>
+            </a:p>
+          </p:txBody>
+        </p:sp>
+        <p:sp>
+          <p:nvSpPr>
+            <p:cNvPr id="141" name="TextovéPole 140">
+              <a:extLst>
+                <a:ext uri="{FF2B5EF4-FFF2-40B4-BE49-F238E27FC236}">
+                  <a16:creationId xmlns:a16="http://schemas.microsoft.com/office/drawing/2014/main" id="{974E1CC4-B5F6-455F-A0C5-6102F735AD7E}"/>
+                </a:ext>
+              </a:extLst>
+            </p:cNvPr>
+            <p:cNvSpPr txBox="1"/>
+            <p:nvPr/>
+          </p:nvSpPr>
+          <p:spPr>
+            <a:xfrm>
+              <a:off x="1812941" y="1940516"/>
+              <a:ext cx="1194847" cy="266684"/>
+            </a:xfrm>
+            <a:prstGeom prst="rect">
+              <a:avLst/>
+            </a:prstGeom>
+            <a:noFill/>
+          </p:spPr>
+          <p:txBody>
+            <a:bodyPr wrap="square" rtlCol="0">
+              <a:spAutoFit/>
+            </a:bodyPr>
+            <a:lstStyle/>
+            <a:p>
+              <a:pPr algn="ctr"/>
+              <a:r>
+                <a:rPr lang="cs-CZ" sz="1401" dirty="0"/>
+                <a:t>MEASOBJ</a:t>
+              </a:r>
+            </a:p>
+          </p:txBody>
+        </p:sp>
+      </p:grpSp>
+      <p:cxnSp>
+        <p:nvCxnSpPr>
+          <p:cNvPr id="142" name="Spojnice: zakřivená 141">
+            <a:extLst>
+              <a:ext uri="{FF2B5EF4-FFF2-40B4-BE49-F238E27FC236}">
+                <a16:creationId xmlns:a16="http://schemas.microsoft.com/office/drawing/2014/main" id="{8F3BA42A-7EC0-4783-8CAD-0DACC6F32152}"/>
+              </a:ext>
+            </a:extLst>
+          </p:cNvPr>
+          <p:cNvCxnSpPr>
+            <a:cxnSpLocks/>
+            <a:stCxn id="5" idx="3"/>
+            <a:endCxn id="131" idx="1"/>
+          </p:cNvCxnSpPr>
+          <p:nvPr/>
+        </p:nvCxnSpPr>
+        <p:spPr>
+          <a:xfrm>
+            <a:off x="13860976" y="3456758"/>
+            <a:ext cx="1108433" cy="1170731"/>
+          </a:xfrm>
+          <a:prstGeom prst="curvedConnector3">
+            <a:avLst>
+              <a:gd name="adj1" fmla="val 50000"/>
+            </a:avLst>
+          </a:prstGeom>
+          <a:ln>
+            <a:tailEnd type="triangle"/>
+          </a:ln>
+        </p:spPr>
+        <p:style>
+          <a:lnRef idx="1">
+            <a:schemeClr val="dk1"/>
+          </a:lnRef>
+          <a:fillRef idx="0">
+            <a:schemeClr val="dk1"/>
+          </a:fillRef>
+          <a:effectRef idx="0">
+            <a:schemeClr val="dk1"/>
+          </a:effectRef>
+          <a:fontRef idx="minor">
+            <a:schemeClr val="tx1"/>
+          </a:fontRef>
+        </p:style>
+      </p:cxnSp>
+      <p:grpSp>
+        <p:nvGrpSpPr>
+          <p:cNvPr id="143" name="Skupina 142">
+            <a:extLst>
+              <a:ext uri="{FF2B5EF4-FFF2-40B4-BE49-F238E27FC236}">
+                <a16:creationId xmlns:a16="http://schemas.microsoft.com/office/drawing/2014/main" id="{DF801515-C090-4D6C-B07B-A2E96DAFD4E4}"/>
+              </a:ext>
+            </a:extLst>
+          </p:cNvPr>
+          <p:cNvGrpSpPr/>
+          <p:nvPr/>
+        </p:nvGrpSpPr>
+        <p:grpSpPr>
+          <a:xfrm>
+            <a:off x="15351066" y="343993"/>
+            <a:ext cx="1668714" cy="1979595"/>
+            <a:chOff x="1715679" y="1940516"/>
+            <a:chExt cx="1348032" cy="1707658"/>
+          </a:xfrm>
+        </p:grpSpPr>
+        <p:sp>
+          <p:nvSpPr>
+            <p:cNvPr id="144" name="Obdélník: se zakulacenými rohy 143">
+              <a:extLst>
+                <a:ext uri="{FF2B5EF4-FFF2-40B4-BE49-F238E27FC236}">
+                  <a16:creationId xmlns:a16="http://schemas.microsoft.com/office/drawing/2014/main" id="{DE69D6C1-2462-4A22-8A72-E34D64127305}"/>
+                </a:ext>
+              </a:extLst>
+            </p:cNvPr>
+            <p:cNvSpPr/>
+            <p:nvPr/>
+          </p:nvSpPr>
+          <p:spPr>
+            <a:xfrm>
+              <a:off x="1715679" y="2248296"/>
+              <a:ext cx="1348032" cy="1399878"/>
+            </a:xfrm>
+            <a:prstGeom prst="roundRect">
+              <a:avLst/>
+            </a:prstGeom>
+            <a:solidFill>
+              <a:schemeClr val="accent1">
+                <a:lumMod val="40000"/>
+                <a:lumOff val="60000"/>
+              </a:schemeClr>
+            </a:solidFill>
+          </p:spPr>
+          <p:style>
+            <a:lnRef idx="2">
+              <a:schemeClr val="accent1">
+                <a:shade val="50000"/>
+              </a:schemeClr>
+            </a:lnRef>
+            <a:fillRef idx="1">
+              <a:schemeClr val="accent1"/>
+            </a:fillRef>
+            <a:effectRef idx="0">
+              <a:schemeClr val="accent1"/>
+            </a:effectRef>
+            <a:fontRef idx="minor">
+              <a:schemeClr val="lt1"/>
+            </a:fontRef>
+          </p:style>
+          <p:txBody>
+            <a:bodyPr rtlCol="0" anchor="ctr"/>
+            <a:lstStyle/>
+            <a:p>
+              <a:pPr algn="ctr"/>
+              <a:endParaRPr lang="cs-CZ"/>
+            </a:p>
+          </p:txBody>
+        </p:sp>
+        <p:cxnSp>
+          <p:nvCxnSpPr>
+            <p:cNvPr id="145" name="Přímá spojnice 144">
+              <a:extLst>
+                <a:ext uri="{FF2B5EF4-FFF2-40B4-BE49-F238E27FC236}">
+                  <a16:creationId xmlns:a16="http://schemas.microsoft.com/office/drawing/2014/main" id="{C9CCA758-BB0E-4927-962C-16222693C4CF}"/>
+                </a:ext>
+              </a:extLst>
+            </p:cNvPr>
+            <p:cNvCxnSpPr>
+              <a:cxnSpLocks/>
+              <a:stCxn id="144" idx="1"/>
+              <a:endCxn id="144" idx="3"/>
+            </p:cNvCxnSpPr>
+            <p:nvPr/>
+          </p:nvCxnSpPr>
+          <p:spPr>
+            <a:xfrm>
+              <a:off x="1715679" y="2948235"/>
+              <a:ext cx="1348032" cy="0"/>
+            </a:xfrm>
+            <a:prstGeom prst="line">
+              <a:avLst/>
+            </a:prstGeom>
+            <a:ln>
+              <a:solidFill>
+                <a:schemeClr val="tx1"/>
+              </a:solidFill>
+            </a:ln>
+          </p:spPr>
+          <p:style>
+            <a:lnRef idx="1">
+              <a:schemeClr val="accent1"/>
+            </a:lnRef>
+            <a:fillRef idx="0">
+              <a:schemeClr val="accent1"/>
+            </a:fillRef>
+            <a:effectRef idx="0">
+              <a:schemeClr val="accent1"/>
+            </a:effectRef>
+            <a:fontRef idx="minor">
+              <a:schemeClr val="tx1"/>
+            </a:fontRef>
+          </p:style>
+        </p:cxnSp>
+        <p:sp>
+          <p:nvSpPr>
+            <p:cNvPr id="146" name="TextovéPole 145">
+              <a:extLst>
+                <a:ext uri="{FF2B5EF4-FFF2-40B4-BE49-F238E27FC236}">
+                  <a16:creationId xmlns:a16="http://schemas.microsoft.com/office/drawing/2014/main" id="{A9CEE2DF-C770-4711-AA83-1B69A27DB2B2}"/>
+                </a:ext>
+              </a:extLst>
+            </p:cNvPr>
+            <p:cNvSpPr txBox="1"/>
+            <p:nvPr/>
+          </p:nvSpPr>
+          <p:spPr>
+            <a:xfrm>
+              <a:off x="1769244" y="2248294"/>
+              <a:ext cx="1238547" cy="240027"/>
+            </a:xfrm>
+            <a:prstGeom prst="rect">
+              <a:avLst/>
+            </a:prstGeom>
+            <a:noFill/>
+          </p:spPr>
+          <p:txBody>
+            <a:bodyPr wrap="square" rtlCol="0">
+              <a:spAutoFit/>
+            </a:bodyPr>
+            <a:lstStyle/>
+            <a:p>
+              <a:pPr algn="ctr"/>
+              <a:r>
+                <a:rPr lang="cs-CZ" sz="1201" b="1" dirty="0"/>
+                <a:t>[text 1]</a:t>
+              </a:r>
+            </a:p>
+          </p:txBody>
+        </p:sp>
+        <p:sp>
+          <p:nvSpPr>
+            <p:cNvPr id="147" name="TextovéPole 146">
+              <a:extLst>
+                <a:ext uri="{FF2B5EF4-FFF2-40B4-BE49-F238E27FC236}">
+                  <a16:creationId xmlns:a16="http://schemas.microsoft.com/office/drawing/2014/main" id="{8CC65F21-4D62-4313-9E9B-32333C3C7299}"/>
+                </a:ext>
+              </a:extLst>
+            </p:cNvPr>
+            <p:cNvSpPr txBox="1"/>
+            <p:nvPr/>
+          </p:nvSpPr>
+          <p:spPr>
+            <a:xfrm>
+              <a:off x="1791092" y="2948235"/>
+              <a:ext cx="1238547" cy="240027"/>
+            </a:xfrm>
+            <a:prstGeom prst="rect">
+              <a:avLst/>
+            </a:prstGeom>
+            <a:noFill/>
+          </p:spPr>
+          <p:txBody>
+            <a:bodyPr wrap="square" rtlCol="0">
+              <a:spAutoFit/>
+            </a:bodyPr>
+            <a:lstStyle/>
+            <a:p>
+              <a:pPr algn="ctr"/>
+              <a:r>
+                <a:rPr lang="cs-CZ" sz="1201" dirty="0"/>
+                <a:t>[text 1]</a:t>
+              </a:r>
+            </a:p>
+          </p:txBody>
+        </p:sp>
+        <p:sp>
+          <p:nvSpPr>
+            <p:cNvPr id="148" name="TextovéPole 147">
+              <a:extLst>
+                <a:ext uri="{FF2B5EF4-FFF2-40B4-BE49-F238E27FC236}">
+                  <a16:creationId xmlns:a16="http://schemas.microsoft.com/office/drawing/2014/main" id="{1D0D22B8-C207-484F-BFE3-63BF3A05E0B5}"/>
+                </a:ext>
+              </a:extLst>
+            </p:cNvPr>
+            <p:cNvSpPr txBox="1"/>
+            <p:nvPr/>
+          </p:nvSpPr>
+          <p:spPr>
+            <a:xfrm>
+              <a:off x="1812941" y="1940516"/>
+              <a:ext cx="1194847" cy="266684"/>
+            </a:xfrm>
+            <a:prstGeom prst="rect">
+              <a:avLst/>
+            </a:prstGeom>
+            <a:noFill/>
+          </p:spPr>
+          <p:txBody>
+            <a:bodyPr wrap="square" rtlCol="0">
+              <a:spAutoFit/>
+            </a:bodyPr>
+            <a:lstStyle/>
+            <a:p>
+              <a:pPr algn="ctr"/>
+              <a:r>
+                <a:rPr lang="cs-CZ" sz="1401" dirty="0"/>
+                <a:t>PROJECTOBJ</a:t>
+              </a:r>
+            </a:p>
+          </p:txBody>
+        </p:sp>
+      </p:grpSp>
+      <p:cxnSp>
+        <p:nvCxnSpPr>
+          <p:cNvPr id="149" name="Spojnice: zakřivená 148">
+            <a:extLst>
+              <a:ext uri="{FF2B5EF4-FFF2-40B4-BE49-F238E27FC236}">
+                <a16:creationId xmlns:a16="http://schemas.microsoft.com/office/drawing/2014/main" id="{4BE72F98-B524-484E-A27A-17B76C5D5ACB}"/>
+              </a:ext>
+            </a:extLst>
+          </p:cNvPr>
+          <p:cNvCxnSpPr>
+            <a:cxnSpLocks/>
+            <a:stCxn id="141" idx="0"/>
+            <a:endCxn id="144" idx="2"/>
+          </p:cNvCxnSpPr>
+          <p:nvPr/>
+        </p:nvCxnSpPr>
+        <p:spPr>
+          <a:xfrm rot="5400000" flipH="1" flipV="1">
+            <a:off x="15439535" y="2713407"/>
+            <a:ext cx="1135707" cy="356070"/>
+          </a:xfrm>
+          <a:prstGeom prst="curvedConnector3">
+            <a:avLst>
+              <a:gd name="adj1" fmla="val 50000"/>
+            </a:avLst>
+          </a:prstGeom>
+          <a:ln w="15875">
+            <a:solidFill>
+              <a:schemeClr val="accent1"/>
+            </a:solidFill>
+            <a:prstDash val="solid"/>
+          </a:ln>
+        </p:spPr>
+        <p:style>
+          <a:lnRef idx="1">
+            <a:schemeClr val="accent1"/>
+          </a:lnRef>
+          <a:fillRef idx="0">
+            <a:schemeClr val="accent1"/>
+          </a:fillRef>
+          <a:effectRef idx="0">
+            <a:schemeClr val="accent1"/>
+          </a:effectRef>
+          <a:fontRef idx="minor">
+            <a:schemeClr val="tx1"/>
+          </a:fontRef>
+        </p:style>
+      </p:cxnSp>
+      <p:sp>
+        <p:nvSpPr>
+          <p:cNvPr id="151" name="Obdélník: se zakulacenými rohy 150">
+            <a:extLst>
+              <a:ext uri="{FF2B5EF4-FFF2-40B4-BE49-F238E27FC236}">
+                <a16:creationId xmlns:a16="http://schemas.microsoft.com/office/drawing/2014/main" id="{5B52A162-1BE5-46A1-8ADB-BE31EDD126D1}"/>
+              </a:ext>
+            </a:extLst>
+          </p:cNvPr>
+          <p:cNvSpPr/>
+          <p:nvPr/>
+        </p:nvSpPr>
+        <p:spPr>
+          <a:xfrm>
+            <a:off x="8915204" y="7260753"/>
+            <a:ext cx="4072192" cy="1622802"/>
+          </a:xfrm>
+          <a:prstGeom prst="roundRect">
+            <a:avLst/>
+          </a:prstGeom>
+          <a:solidFill>
+            <a:schemeClr val="bg1">
+              <a:lumMod val="85000"/>
+            </a:schemeClr>
+          </a:solidFill>
+        </p:spPr>
+        <p:style>
+          <a:lnRef idx="2">
+            <a:schemeClr val="accent1">
+              <a:shade val="50000"/>
+            </a:schemeClr>
+          </a:lnRef>
+          <a:fillRef idx="1">
+            <a:schemeClr val="accent1"/>
+          </a:fillRef>
+          <a:effectRef idx="0">
+            <a:schemeClr val="accent1"/>
+          </a:effectRef>
+          <a:fontRef idx="minor">
+            <a:schemeClr val="lt1"/>
+          </a:fontRef>
+        </p:style>
+        <p:txBody>
+          <a:bodyPr rtlCol="0" anchor="ctr"/>
+          <a:lstStyle/>
+          <a:p>
+            <a:r>
+              <a:rPr lang="cs-CZ" i="1" dirty="0" err="1">
+                <a:solidFill>
+                  <a:schemeClr val="tx1">
+                    <a:lumMod val="85000"/>
+                    <a:lumOff val="15000"/>
+                  </a:schemeClr>
+                </a:solidFill>
+                <a:latin typeface="Courier New" panose="02070309020205020404" pitchFamily="49" charset="0"/>
+                <a:cs typeface="Courier New" panose="02070309020205020404" pitchFamily="49" charset="0"/>
+              </a:rPr>
+              <a:t>Brute</a:t>
+            </a:r>
+            <a:r>
+              <a:rPr lang="cs-CZ" i="1" dirty="0">
+                <a:solidFill>
+                  <a:schemeClr val="tx1">
+                    <a:lumMod val="85000"/>
+                    <a:lumOff val="15000"/>
+                  </a:schemeClr>
+                </a:solidFill>
+                <a:latin typeface="Courier New" panose="02070309020205020404" pitchFamily="49" charset="0"/>
+                <a:cs typeface="Courier New" panose="02070309020205020404" pitchFamily="49" charset="0"/>
+              </a:rPr>
+              <a:t> </a:t>
+            </a:r>
+            <a:r>
+              <a:rPr lang="cs-CZ" i="1" dirty="0" err="1">
+                <a:solidFill>
+                  <a:schemeClr val="tx1">
+                    <a:lumMod val="85000"/>
+                    <a:lumOff val="15000"/>
+                  </a:schemeClr>
+                </a:solidFill>
+                <a:latin typeface="Courier New" panose="02070309020205020404" pitchFamily="49" charset="0"/>
+                <a:cs typeface="Courier New" panose="02070309020205020404" pitchFamily="49" charset="0"/>
+              </a:rPr>
+              <a:t>Folder</a:t>
+            </a:r>
+            <a:endParaRPr lang="cs-CZ" i="1" dirty="0">
+              <a:solidFill>
+                <a:schemeClr val="tx1">
+                  <a:lumMod val="85000"/>
+                  <a:lumOff val="15000"/>
+                </a:schemeClr>
+              </a:solidFill>
+              <a:latin typeface="Courier New" panose="02070309020205020404" pitchFamily="49" charset="0"/>
+              <a:cs typeface="Courier New" panose="02070309020205020404" pitchFamily="49" charset="0"/>
+            </a:endParaRPr>
+          </a:p>
+          <a:p>
+            <a:r>
+              <a:rPr lang="cs-CZ" i="1" dirty="0" err="1">
+                <a:solidFill>
+                  <a:schemeClr val="tx1">
+                    <a:lumMod val="85000"/>
+                    <a:lumOff val="15000"/>
+                  </a:schemeClr>
+                </a:solidFill>
+                <a:latin typeface="Courier New" panose="02070309020205020404" pitchFamily="49" charset="0"/>
+                <a:cs typeface="Courier New" panose="02070309020205020404" pitchFamily="49" charset="0"/>
+              </a:rPr>
+              <a:t>KeyWords</a:t>
+            </a:r>
+            <a:r>
+              <a:rPr lang="cs-CZ" i="1" dirty="0">
+                <a:solidFill>
+                  <a:schemeClr val="tx1">
+                    <a:lumMod val="85000"/>
+                    <a:lumOff val="15000"/>
+                  </a:schemeClr>
+                </a:solidFill>
+                <a:latin typeface="Courier New" panose="02070309020205020404" pitchFamily="49" charset="0"/>
+                <a:cs typeface="Courier New" panose="02070309020205020404" pitchFamily="49" charset="0"/>
+              </a:rPr>
+              <a:t> =&gt; </a:t>
+            </a:r>
+            <a:r>
+              <a:rPr lang="cs-CZ" i="1" dirty="0" err="1">
+                <a:solidFill>
+                  <a:schemeClr val="tx1">
+                    <a:lumMod val="85000"/>
+                    <a:lumOff val="15000"/>
+                  </a:schemeClr>
+                </a:solidFill>
+                <a:latin typeface="Courier New" panose="02070309020205020404" pitchFamily="49" charset="0"/>
+                <a:cs typeface="Courier New" panose="02070309020205020404" pitchFamily="49" charset="0"/>
+              </a:rPr>
+              <a:t>Datatypes</a:t>
+            </a:r>
+            <a:endParaRPr lang="cs-CZ" i="1" dirty="0">
+              <a:solidFill>
+                <a:schemeClr val="tx1">
+                  <a:lumMod val="85000"/>
+                  <a:lumOff val="15000"/>
+                </a:schemeClr>
+              </a:solidFill>
+              <a:latin typeface="Courier New" panose="02070309020205020404" pitchFamily="49" charset="0"/>
+              <a:cs typeface="Courier New" panose="02070309020205020404" pitchFamily="49" charset="0"/>
+            </a:endParaRPr>
+          </a:p>
+          <a:p>
+            <a:r>
+              <a:rPr lang="cs-CZ" i="1" dirty="0" err="1">
+                <a:solidFill>
+                  <a:schemeClr val="tx1">
+                    <a:lumMod val="85000"/>
+                    <a:lumOff val="15000"/>
+                  </a:schemeClr>
+                </a:solidFill>
+                <a:latin typeface="Courier New" panose="02070309020205020404" pitchFamily="49" charset="0"/>
+                <a:cs typeface="Courier New" panose="02070309020205020404" pitchFamily="49" charset="0"/>
+              </a:rPr>
+              <a:t>SubFolders</a:t>
+            </a:r>
+            <a:r>
+              <a:rPr lang="cs-CZ" i="1" dirty="0">
+                <a:solidFill>
+                  <a:schemeClr val="tx1">
+                    <a:lumMod val="85000"/>
+                    <a:lumOff val="15000"/>
+                  </a:schemeClr>
+                </a:solidFill>
+                <a:latin typeface="Courier New" panose="02070309020205020404" pitchFamily="49" charset="0"/>
+                <a:cs typeface="Courier New" panose="02070309020205020404" pitchFamily="49" charset="0"/>
+              </a:rPr>
+              <a:t> =&gt; </a:t>
+            </a:r>
+            <a:r>
+              <a:rPr lang="cs-CZ" i="1" dirty="0" err="1">
+                <a:solidFill>
+                  <a:schemeClr val="tx1">
+                    <a:lumMod val="85000"/>
+                    <a:lumOff val="15000"/>
+                  </a:schemeClr>
+                </a:solidFill>
+                <a:latin typeface="Courier New" panose="02070309020205020404" pitchFamily="49" charset="0"/>
+                <a:cs typeface="Courier New" panose="02070309020205020404" pitchFamily="49" charset="0"/>
+              </a:rPr>
+              <a:t>Datatypes</a:t>
+            </a:r>
+            <a:endParaRPr lang="cs-CZ" i="1" dirty="0">
+              <a:solidFill>
+                <a:schemeClr val="tx1">
+                  <a:lumMod val="85000"/>
+                  <a:lumOff val="15000"/>
+                </a:schemeClr>
+              </a:solidFill>
+              <a:latin typeface="Courier New" panose="02070309020205020404" pitchFamily="49" charset="0"/>
+              <a:cs typeface="Courier New" panose="02070309020205020404" pitchFamily="49" charset="0"/>
+            </a:endParaRPr>
+          </a:p>
+          <a:p>
+            <a:r>
+              <a:rPr lang="cs-CZ" i="1" dirty="0">
+                <a:solidFill>
+                  <a:schemeClr val="tx1">
+                    <a:lumMod val="85000"/>
+                    <a:lumOff val="15000"/>
+                  </a:schemeClr>
+                </a:solidFill>
+                <a:latin typeface="Courier New" panose="02070309020205020404" pitchFamily="49" charset="0"/>
+                <a:cs typeface="Courier New" panose="02070309020205020404" pitchFamily="49" charset="0"/>
+              </a:rPr>
+              <a:t>0/1 </a:t>
+            </a:r>
+            <a:r>
+              <a:rPr lang="cs-CZ" i="1" dirty="0" err="1">
+                <a:solidFill>
+                  <a:schemeClr val="tx1">
+                    <a:lumMod val="85000"/>
+                    <a:lumOff val="15000"/>
+                  </a:schemeClr>
+                </a:solidFill>
+                <a:latin typeface="Courier New" panose="02070309020205020404" pitchFamily="49" charset="0"/>
+                <a:cs typeface="Courier New" panose="02070309020205020404" pitchFamily="49" charset="0"/>
+              </a:rPr>
+              <a:t>KeyTable</a:t>
+            </a:r>
+            <a:r>
+              <a:rPr lang="cs-CZ" i="1" dirty="0">
+                <a:solidFill>
+                  <a:schemeClr val="tx1">
+                    <a:lumMod val="85000"/>
+                    <a:lumOff val="15000"/>
+                  </a:schemeClr>
+                </a:solidFill>
+                <a:latin typeface="Courier New" panose="02070309020205020404" pitchFamily="49" charset="0"/>
+                <a:cs typeface="Courier New" panose="02070309020205020404" pitchFamily="49" charset="0"/>
+              </a:rPr>
+              <a:t>?</a:t>
+            </a:r>
+            <a:endParaRPr lang="cs-CZ" sz="1800" b="0" i="1" u="none" strike="noStrike" baseline="0" dirty="0">
+              <a:solidFill>
+                <a:schemeClr val="tx1">
+                  <a:lumMod val="85000"/>
+                  <a:lumOff val="15000"/>
+                </a:schemeClr>
+              </a:solidFill>
+              <a:latin typeface="Courier New" panose="02070309020205020404" pitchFamily="49" charset="0"/>
+              <a:cs typeface="Courier New" panose="02070309020205020404" pitchFamily="49" charset="0"/>
+            </a:endParaRPr>
+          </a:p>
+          <a:p>
+            <a:endParaRPr lang="cs-CZ" i="1" dirty="0">
+              <a:solidFill>
+                <a:schemeClr val="tx1">
+                  <a:lumMod val="85000"/>
+                  <a:lumOff val="15000"/>
+                </a:schemeClr>
+              </a:solidFill>
+              <a:latin typeface="Courier New" panose="02070309020205020404" pitchFamily="49" charset="0"/>
+              <a:cs typeface="Courier New" panose="02070309020205020404" pitchFamily="49" charset="0"/>
+            </a:endParaRPr>
+          </a:p>
+        </p:txBody>
+      </p:sp>
+      <p:cxnSp>
+        <p:nvCxnSpPr>
+          <p:cNvPr id="152" name="Spojnice: zakřivená 151">
+            <a:extLst>
+              <a:ext uri="{FF2B5EF4-FFF2-40B4-BE49-F238E27FC236}">
+                <a16:creationId xmlns:a16="http://schemas.microsoft.com/office/drawing/2014/main" id="{3193FF77-0F7B-491C-A009-E5ED28424790}"/>
+              </a:ext>
+            </a:extLst>
+          </p:cNvPr>
+          <p:cNvCxnSpPr>
+            <a:cxnSpLocks/>
+            <a:stCxn id="151" idx="0"/>
+            <a:endCxn id="5" idx="2"/>
+          </p:cNvCxnSpPr>
+          <p:nvPr/>
+        </p:nvCxnSpPr>
+        <p:spPr>
+          <a:xfrm rot="5400000" flipH="1" flipV="1">
+            <a:off x="10492662" y="4726797"/>
+            <a:ext cx="2992594" cy="2075319"/>
+          </a:xfrm>
+          <a:prstGeom prst="curvedConnector3">
+            <a:avLst>
+              <a:gd name="adj1" fmla="val 50000"/>
+            </a:avLst>
+          </a:prstGeom>
+          <a:ln w="15875">
+            <a:solidFill>
+              <a:schemeClr val="tx1"/>
+            </a:solidFill>
+            <a:prstDash val="dash"/>
+          </a:ln>
+        </p:spPr>
+        <p:style>
+          <a:lnRef idx="1">
+            <a:schemeClr val="accent1"/>
+          </a:lnRef>
+          <a:fillRef idx="0">
+            <a:schemeClr val="accent1"/>
+          </a:fillRef>
+          <a:effectRef idx="0">
+            <a:schemeClr val="accent1"/>
+          </a:effectRef>
+          <a:fontRef idx="minor">
+            <a:schemeClr val="tx1"/>
+          </a:fontRef>
+        </p:style>
+      </p:cxnSp>
+      <p:cxnSp>
+        <p:nvCxnSpPr>
+          <p:cNvPr id="155" name="Spojnice: zakřivená 154">
+            <a:extLst>
+              <a:ext uri="{FF2B5EF4-FFF2-40B4-BE49-F238E27FC236}">
+                <a16:creationId xmlns:a16="http://schemas.microsoft.com/office/drawing/2014/main" id="{B28B2BB7-706C-4B8D-9BEB-05F1C88FCF6E}"/>
+              </a:ext>
+            </a:extLst>
+          </p:cNvPr>
+          <p:cNvCxnSpPr>
+            <a:cxnSpLocks/>
+            <a:stCxn id="119" idx="0"/>
+            <a:endCxn id="151" idx="2"/>
+          </p:cNvCxnSpPr>
+          <p:nvPr/>
+        </p:nvCxnSpPr>
+        <p:spPr>
+          <a:xfrm rot="5400000" flipH="1" flipV="1">
+            <a:off x="6921954" y="9260221"/>
+            <a:ext cx="4406012" cy="3652680"/>
+          </a:xfrm>
+          <a:prstGeom prst="curvedConnector3">
+            <a:avLst>
+              <a:gd name="adj1" fmla="val 50000"/>
+            </a:avLst>
+          </a:prstGeom>
+          <a:ln w="15875">
+            <a:solidFill>
+              <a:schemeClr val="tx1"/>
+            </a:solidFill>
+            <a:prstDash val="dash"/>
+          </a:ln>
+        </p:spPr>
+        <p:style>
+          <a:lnRef idx="1">
+            <a:schemeClr val="accent1"/>
+          </a:lnRef>
+          <a:fillRef idx="0">
+            <a:schemeClr val="accent1"/>
+          </a:fillRef>
+          <a:effectRef idx="0">
+            <a:schemeClr val="accent1"/>
+          </a:effectRef>
+          <a:fontRef idx="minor">
+            <a:schemeClr val="tx1"/>
+          </a:fontRef>
+        </p:style>
+      </p:cxnSp>
+      <p:grpSp>
+        <p:nvGrpSpPr>
+          <p:cNvPr id="159" name="Skupina 158">
+            <a:extLst>
+              <a:ext uri="{FF2B5EF4-FFF2-40B4-BE49-F238E27FC236}">
+                <a16:creationId xmlns:a16="http://schemas.microsoft.com/office/drawing/2014/main" id="{23AEBF1B-86E9-490A-90E1-1C994DA15757}"/>
+              </a:ext>
+            </a:extLst>
+          </p:cNvPr>
+          <p:cNvGrpSpPr/>
+          <p:nvPr/>
+        </p:nvGrpSpPr>
+        <p:grpSpPr>
+          <a:xfrm>
+            <a:off x="15089809" y="7576558"/>
+            <a:ext cx="1668714" cy="1979595"/>
+            <a:chOff x="1715679" y="1940516"/>
+            <a:chExt cx="1348032" cy="1707658"/>
+          </a:xfrm>
+        </p:grpSpPr>
+        <p:sp>
+          <p:nvSpPr>
+            <p:cNvPr id="160" name="Obdélník: se zakulacenými rohy 159">
+              <a:extLst>
+                <a:ext uri="{FF2B5EF4-FFF2-40B4-BE49-F238E27FC236}">
+                  <a16:creationId xmlns:a16="http://schemas.microsoft.com/office/drawing/2014/main" id="{1D1BFF0D-5D73-45A0-A9B3-CB5EF1B91598}"/>
+                </a:ext>
+              </a:extLst>
+            </p:cNvPr>
+            <p:cNvSpPr/>
+            <p:nvPr/>
+          </p:nvSpPr>
+          <p:spPr>
+            <a:xfrm>
+              <a:off x="1715679" y="2248296"/>
+              <a:ext cx="1348032" cy="1399878"/>
+            </a:xfrm>
+            <a:prstGeom prst="roundRect">
+              <a:avLst/>
+            </a:prstGeom>
+            <a:solidFill>
+              <a:schemeClr val="accent1">
+                <a:lumMod val="40000"/>
+                <a:lumOff val="60000"/>
+              </a:schemeClr>
+            </a:solidFill>
+          </p:spPr>
+          <p:style>
+            <a:lnRef idx="2">
+              <a:schemeClr val="accent1">
+                <a:shade val="50000"/>
+              </a:schemeClr>
+            </a:lnRef>
+            <a:fillRef idx="1">
+              <a:schemeClr val="accent1"/>
+            </a:fillRef>
+            <a:effectRef idx="0">
+              <a:schemeClr val="accent1"/>
+            </a:effectRef>
+            <a:fontRef idx="minor">
+              <a:schemeClr val="lt1"/>
+            </a:fontRef>
+          </p:style>
+          <p:txBody>
+            <a:bodyPr rtlCol="0" anchor="ctr"/>
+            <a:lstStyle/>
+            <a:p>
+              <a:pPr algn="ctr"/>
+              <a:endParaRPr lang="cs-CZ"/>
+            </a:p>
+          </p:txBody>
+        </p:sp>
+        <p:cxnSp>
+          <p:nvCxnSpPr>
+            <p:cNvPr id="161" name="Přímá spojnice 160">
+              <a:extLst>
+                <a:ext uri="{FF2B5EF4-FFF2-40B4-BE49-F238E27FC236}">
+                  <a16:creationId xmlns:a16="http://schemas.microsoft.com/office/drawing/2014/main" id="{CF400790-32E2-4D01-AC1B-CE31632C91B6}"/>
+                </a:ext>
+              </a:extLst>
+            </p:cNvPr>
+            <p:cNvCxnSpPr>
+              <a:cxnSpLocks/>
+              <a:stCxn id="160" idx="1"/>
+              <a:endCxn id="160" idx="3"/>
+            </p:cNvCxnSpPr>
+            <p:nvPr/>
+          </p:nvCxnSpPr>
+          <p:spPr>
+            <a:xfrm>
+              <a:off x="1715679" y="2948235"/>
+              <a:ext cx="1348032" cy="0"/>
+            </a:xfrm>
+            <a:prstGeom prst="line">
+              <a:avLst/>
+            </a:prstGeom>
+            <a:ln>
+              <a:solidFill>
+                <a:schemeClr val="tx1"/>
+              </a:solidFill>
+            </a:ln>
+          </p:spPr>
+          <p:style>
+            <a:lnRef idx="1">
+              <a:schemeClr val="accent1"/>
+            </a:lnRef>
+            <a:fillRef idx="0">
+              <a:schemeClr val="accent1"/>
+            </a:fillRef>
+            <a:effectRef idx="0">
+              <a:schemeClr val="accent1"/>
+            </a:effectRef>
+            <a:fontRef idx="minor">
+              <a:schemeClr val="tx1"/>
+            </a:fontRef>
+          </p:style>
+        </p:cxnSp>
+        <p:sp>
+          <p:nvSpPr>
+            <p:cNvPr id="162" name="TextovéPole 161">
+              <a:extLst>
+                <a:ext uri="{FF2B5EF4-FFF2-40B4-BE49-F238E27FC236}">
+                  <a16:creationId xmlns:a16="http://schemas.microsoft.com/office/drawing/2014/main" id="{FF3D0B42-100E-4BC9-B18C-E82E1E5B049B}"/>
+                </a:ext>
+              </a:extLst>
+            </p:cNvPr>
+            <p:cNvSpPr txBox="1"/>
+            <p:nvPr/>
+          </p:nvSpPr>
+          <p:spPr>
+            <a:xfrm>
+              <a:off x="1769244" y="2248294"/>
+              <a:ext cx="1238547" cy="240027"/>
+            </a:xfrm>
+            <a:prstGeom prst="rect">
+              <a:avLst/>
+            </a:prstGeom>
+            <a:noFill/>
+          </p:spPr>
+          <p:txBody>
+            <a:bodyPr wrap="square" rtlCol="0">
+              <a:spAutoFit/>
+            </a:bodyPr>
+            <a:lstStyle/>
+            <a:p>
+              <a:pPr algn="ctr"/>
+              <a:r>
+                <a:rPr lang="cs-CZ" sz="1201" b="1" dirty="0" err="1"/>
+                <a:t>SetpTable</a:t>
+              </a:r>
+              <a:endParaRPr lang="cs-CZ" sz="1201" b="1" dirty="0"/>
+            </a:p>
+          </p:txBody>
+        </p:sp>
+        <p:sp>
+          <p:nvSpPr>
+            <p:cNvPr id="163" name="TextovéPole 162">
+              <a:extLst>
+                <a:ext uri="{FF2B5EF4-FFF2-40B4-BE49-F238E27FC236}">
+                  <a16:creationId xmlns:a16="http://schemas.microsoft.com/office/drawing/2014/main" id="{C23D632C-05DD-47F9-9BA4-95ACC07DE328}"/>
+                </a:ext>
+              </a:extLst>
+            </p:cNvPr>
+            <p:cNvSpPr txBox="1"/>
+            <p:nvPr/>
+          </p:nvSpPr>
+          <p:spPr>
+            <a:xfrm>
+              <a:off x="1791092" y="2948235"/>
+              <a:ext cx="1238547" cy="240027"/>
+            </a:xfrm>
+            <a:prstGeom prst="rect">
+              <a:avLst/>
+            </a:prstGeom>
+            <a:noFill/>
+          </p:spPr>
+          <p:txBody>
+            <a:bodyPr wrap="square" rtlCol="0">
+              <a:spAutoFit/>
+            </a:bodyPr>
+            <a:lstStyle/>
+            <a:p>
+              <a:pPr algn="ctr"/>
+              <a:r>
+                <a:rPr lang="cs-CZ" sz="1201" dirty="0"/>
+                <a:t>[text 1]</a:t>
+              </a:r>
+            </a:p>
+          </p:txBody>
+        </p:sp>
+        <p:sp>
+          <p:nvSpPr>
+            <p:cNvPr id="164" name="TextovéPole 163">
+              <a:extLst>
+                <a:ext uri="{FF2B5EF4-FFF2-40B4-BE49-F238E27FC236}">
+                  <a16:creationId xmlns:a16="http://schemas.microsoft.com/office/drawing/2014/main" id="{16F0BBD1-75AC-4E05-BF40-473E87BF4C00}"/>
+                </a:ext>
+              </a:extLst>
+            </p:cNvPr>
+            <p:cNvSpPr txBox="1"/>
+            <p:nvPr/>
+          </p:nvSpPr>
+          <p:spPr>
+            <a:xfrm>
+              <a:off x="1812941" y="1940516"/>
+              <a:ext cx="1194847" cy="266684"/>
+            </a:xfrm>
+            <a:prstGeom prst="rect">
+              <a:avLst/>
+            </a:prstGeom>
+            <a:noFill/>
+          </p:spPr>
+          <p:txBody>
+            <a:bodyPr wrap="square" rtlCol="0">
+              <a:spAutoFit/>
+            </a:bodyPr>
+            <a:lstStyle/>
+            <a:p>
+              <a:pPr algn="ctr"/>
+              <a:r>
+                <a:rPr lang="cs-CZ" sz="1401" dirty="0" err="1"/>
+                <a:t>DataWizardTester</a:t>
+              </a:r>
+              <a:endParaRPr lang="cs-CZ" sz="1401" dirty="0"/>
+            </a:p>
+          </p:txBody>
+        </p:sp>
+      </p:grpSp>
+      <p:cxnSp>
+        <p:nvCxnSpPr>
+          <p:cNvPr id="165" name="Spojnice: zakřivená 164">
+            <a:extLst>
+              <a:ext uri="{FF2B5EF4-FFF2-40B4-BE49-F238E27FC236}">
+                <a16:creationId xmlns:a16="http://schemas.microsoft.com/office/drawing/2014/main" id="{1B675BC2-F42B-4FAE-9E92-2D23767F2CD2}"/>
+              </a:ext>
+            </a:extLst>
+          </p:cNvPr>
+          <p:cNvCxnSpPr>
+            <a:cxnSpLocks/>
+            <a:stCxn id="164" idx="0"/>
+            <a:endCxn id="5" idx="2"/>
+          </p:cNvCxnSpPr>
+          <p:nvPr/>
+        </p:nvCxnSpPr>
+        <p:spPr>
+          <a:xfrm rot="16200000" flipV="1">
+            <a:off x="12833987" y="4460792"/>
+            <a:ext cx="3308399" cy="2923134"/>
+          </a:xfrm>
+          <a:prstGeom prst="curvedConnector3">
+            <a:avLst>
+              <a:gd name="adj1" fmla="val 50000"/>
+            </a:avLst>
+          </a:prstGeom>
+        </p:spPr>
+        <p:style>
+          <a:lnRef idx="1">
+            <a:schemeClr val="accent1"/>
+          </a:lnRef>
+          <a:fillRef idx="0">
+            <a:schemeClr val="accent1"/>
+          </a:fillRef>
+          <a:effectRef idx="0">
+            <a:schemeClr val="accent1"/>
+          </a:effectRef>
+          <a:fontRef idx="minor">
+            <a:schemeClr val="tx1"/>
+          </a:fontRef>
+        </p:style>
+      </p:cxnSp>
+      <p:cxnSp>
+        <p:nvCxnSpPr>
+          <p:cNvPr id="170" name="Spojnice: zakřivená 169">
+            <a:extLst>
+              <a:ext uri="{FF2B5EF4-FFF2-40B4-BE49-F238E27FC236}">
+                <a16:creationId xmlns:a16="http://schemas.microsoft.com/office/drawing/2014/main" id="{5DF272FD-6C37-41C7-B242-FFC721C95C6F}"/>
+              </a:ext>
+            </a:extLst>
+          </p:cNvPr>
+          <p:cNvCxnSpPr>
+            <a:cxnSpLocks/>
+            <a:stCxn id="109" idx="2"/>
+            <a:endCxn id="96" idx="0"/>
+          </p:cNvCxnSpPr>
+          <p:nvPr/>
+        </p:nvCxnSpPr>
+        <p:spPr>
+          <a:xfrm rot="5400000">
+            <a:off x="3142843" y="9459017"/>
+            <a:ext cx="2723574" cy="145190"/>
+          </a:xfrm>
+          <a:prstGeom prst="curvedConnector3">
+            <a:avLst/>
+          </a:prstGeom>
+          <a:ln w="15875">
+            <a:solidFill>
+              <a:schemeClr val="tx1"/>
+            </a:solidFill>
+            <a:prstDash val="dash"/>
+          </a:ln>
+        </p:spPr>
+        <p:style>
+          <a:lnRef idx="1">
+            <a:schemeClr val="accent1"/>
+          </a:lnRef>
+          <a:fillRef idx="0">
+            <a:schemeClr val="accent1"/>
+          </a:fillRef>
+          <a:effectRef idx="0">
+            <a:schemeClr val="accent1"/>
+          </a:effectRef>
+          <a:fontRef idx="minor">
+            <a:schemeClr val="tx1"/>
+          </a:fontRef>
+        </p:style>
+      </p:cxnSp>
+      <p:grpSp>
+        <p:nvGrpSpPr>
+          <p:cNvPr id="175" name="Skupina 174">
+            <a:extLst>
+              <a:ext uri="{FF2B5EF4-FFF2-40B4-BE49-F238E27FC236}">
+                <a16:creationId xmlns:a16="http://schemas.microsoft.com/office/drawing/2014/main" id="{C826E4CA-78D2-40B3-A64E-E8ED72E88BFE}"/>
+              </a:ext>
+            </a:extLst>
+          </p:cNvPr>
+          <p:cNvGrpSpPr/>
+          <p:nvPr/>
+        </p:nvGrpSpPr>
+        <p:grpSpPr>
+          <a:xfrm>
+            <a:off x="8290603" y="193532"/>
+            <a:ext cx="1668714" cy="1979595"/>
+            <a:chOff x="1715679" y="1940516"/>
+            <a:chExt cx="1348032" cy="1707658"/>
+          </a:xfrm>
+        </p:grpSpPr>
+        <p:sp>
+          <p:nvSpPr>
+            <p:cNvPr id="176" name="Obdélník: se zakulacenými rohy 175">
+              <a:extLst>
+                <a:ext uri="{FF2B5EF4-FFF2-40B4-BE49-F238E27FC236}">
+                  <a16:creationId xmlns:a16="http://schemas.microsoft.com/office/drawing/2014/main" id="{B876CD00-586A-44D5-B6FA-333B35D78D81}"/>
+                </a:ext>
+              </a:extLst>
+            </p:cNvPr>
+            <p:cNvSpPr/>
+            <p:nvPr/>
+          </p:nvSpPr>
+          <p:spPr>
+            <a:xfrm>
+              <a:off x="1715679" y="2248296"/>
+              <a:ext cx="1348032" cy="1399878"/>
+            </a:xfrm>
+            <a:prstGeom prst="roundRect">
+              <a:avLst/>
+            </a:prstGeom>
+            <a:solidFill>
+              <a:schemeClr val="accent1">
+                <a:lumMod val="40000"/>
+                <a:lumOff val="60000"/>
+              </a:schemeClr>
+            </a:solidFill>
+          </p:spPr>
+          <p:style>
+            <a:lnRef idx="2">
+              <a:schemeClr val="accent1">
+                <a:shade val="50000"/>
+              </a:schemeClr>
+            </a:lnRef>
+            <a:fillRef idx="1">
+              <a:schemeClr val="accent1"/>
+            </a:fillRef>
+            <a:effectRef idx="0">
+              <a:schemeClr val="accent1"/>
+            </a:effectRef>
+            <a:fontRef idx="minor">
+              <a:schemeClr val="lt1"/>
+            </a:fontRef>
+          </p:style>
+          <p:txBody>
+            <a:bodyPr rtlCol="0" anchor="ctr"/>
+            <a:lstStyle/>
+            <a:p>
+              <a:pPr algn="ctr"/>
+              <a:endParaRPr lang="cs-CZ"/>
+            </a:p>
+          </p:txBody>
+        </p:sp>
+        <p:cxnSp>
+          <p:nvCxnSpPr>
+            <p:cNvPr id="177" name="Přímá spojnice 176">
+              <a:extLst>
+                <a:ext uri="{FF2B5EF4-FFF2-40B4-BE49-F238E27FC236}">
+                  <a16:creationId xmlns:a16="http://schemas.microsoft.com/office/drawing/2014/main" id="{2102ED6C-A34A-4EB3-9261-B99580BC89F1}"/>
+                </a:ext>
+              </a:extLst>
+            </p:cNvPr>
+            <p:cNvCxnSpPr>
+              <a:cxnSpLocks/>
+              <a:stCxn id="176" idx="1"/>
+              <a:endCxn id="176" idx="3"/>
+            </p:cNvCxnSpPr>
+            <p:nvPr/>
+          </p:nvCxnSpPr>
+          <p:spPr>
+            <a:xfrm>
+              <a:off x="1715679" y="2948235"/>
+              <a:ext cx="1348032" cy="0"/>
+            </a:xfrm>
+            <a:prstGeom prst="line">
+              <a:avLst/>
+            </a:prstGeom>
+            <a:ln>
+              <a:solidFill>
+                <a:schemeClr val="tx1"/>
+              </a:solidFill>
+            </a:ln>
+          </p:spPr>
+          <p:style>
+            <a:lnRef idx="1">
+              <a:schemeClr val="accent1"/>
+            </a:lnRef>
+            <a:fillRef idx="0">
+              <a:schemeClr val="accent1"/>
+            </a:fillRef>
+            <a:effectRef idx="0">
+              <a:schemeClr val="accent1"/>
+            </a:effectRef>
+            <a:fontRef idx="minor">
+              <a:schemeClr val="tx1"/>
+            </a:fontRef>
+          </p:style>
+        </p:cxnSp>
+        <p:sp>
+          <p:nvSpPr>
+            <p:cNvPr id="178" name="TextovéPole 177">
+              <a:extLst>
+                <a:ext uri="{FF2B5EF4-FFF2-40B4-BE49-F238E27FC236}">
+                  <a16:creationId xmlns:a16="http://schemas.microsoft.com/office/drawing/2014/main" id="{BE96BBEC-E5EF-433C-A120-A280AA021248}"/>
+                </a:ext>
+              </a:extLst>
+            </p:cNvPr>
+            <p:cNvSpPr txBox="1"/>
+            <p:nvPr/>
+          </p:nvSpPr>
+          <p:spPr>
+            <a:xfrm>
+              <a:off x="1769244" y="2248294"/>
+              <a:ext cx="1238547" cy="240027"/>
+            </a:xfrm>
+            <a:prstGeom prst="rect">
+              <a:avLst/>
+            </a:prstGeom>
+            <a:noFill/>
+          </p:spPr>
+          <p:txBody>
+            <a:bodyPr wrap="square" rtlCol="0">
+              <a:spAutoFit/>
+            </a:bodyPr>
+            <a:lstStyle/>
+            <a:p>
+              <a:pPr algn="ctr"/>
+              <a:r>
+                <a:rPr lang="cs-CZ" sz="1201" b="1" dirty="0"/>
+                <a:t>[text 1]</a:t>
+              </a:r>
+            </a:p>
+          </p:txBody>
+        </p:sp>
+        <p:sp>
+          <p:nvSpPr>
+            <p:cNvPr id="179" name="TextovéPole 178">
+              <a:extLst>
+                <a:ext uri="{FF2B5EF4-FFF2-40B4-BE49-F238E27FC236}">
+                  <a16:creationId xmlns:a16="http://schemas.microsoft.com/office/drawing/2014/main" id="{FD1D0994-A993-4EE7-BB54-63CAAC7FE892}"/>
+                </a:ext>
+              </a:extLst>
+            </p:cNvPr>
+            <p:cNvSpPr txBox="1"/>
+            <p:nvPr/>
+          </p:nvSpPr>
+          <p:spPr>
+            <a:xfrm>
+              <a:off x="1791092" y="2948235"/>
+              <a:ext cx="1238547" cy="240027"/>
+            </a:xfrm>
+            <a:prstGeom prst="rect">
+              <a:avLst/>
+            </a:prstGeom>
+            <a:noFill/>
+          </p:spPr>
+          <p:txBody>
+            <a:bodyPr wrap="square" rtlCol="0">
+              <a:spAutoFit/>
+            </a:bodyPr>
+            <a:lstStyle/>
+            <a:p>
+              <a:pPr algn="ctr"/>
+              <a:r>
+                <a:rPr lang="cs-CZ" sz="1201" dirty="0"/>
+                <a:t>[text 1]</a:t>
+              </a:r>
+            </a:p>
+          </p:txBody>
+        </p:sp>
+        <p:sp>
+          <p:nvSpPr>
+            <p:cNvPr id="180" name="TextovéPole 179">
+              <a:extLst>
+                <a:ext uri="{FF2B5EF4-FFF2-40B4-BE49-F238E27FC236}">
+                  <a16:creationId xmlns:a16="http://schemas.microsoft.com/office/drawing/2014/main" id="{E3569C54-0B30-4474-A9DB-B226E150F39C}"/>
+                </a:ext>
+              </a:extLst>
+            </p:cNvPr>
+            <p:cNvSpPr txBox="1"/>
+            <p:nvPr/>
+          </p:nvSpPr>
+          <p:spPr>
+            <a:xfrm>
+              <a:off x="1812941" y="1940516"/>
+              <a:ext cx="1194847" cy="266684"/>
+            </a:xfrm>
+            <a:prstGeom prst="rect">
+              <a:avLst/>
+            </a:prstGeom>
+            <a:noFill/>
+          </p:spPr>
+          <p:txBody>
+            <a:bodyPr wrap="square" rtlCol="0">
+              <a:spAutoFit/>
+            </a:bodyPr>
+            <a:lstStyle/>
+            <a:p>
+              <a:pPr algn="ctr"/>
+              <a:r>
+                <a:rPr lang="cs-CZ" sz="1401" dirty="0"/>
+                <a:t>Plotter </a:t>
+              </a:r>
+              <a:r>
+                <a:rPr lang="cs-CZ" sz="1401" dirty="0" err="1"/>
+                <a:t>Obj</a:t>
               </a:r>
               <a:endParaRPr lang="cs-CZ" sz="1401" dirty="0"/>
             </a:p>

--- a/DataTypes/Concepts/Concept.pptx
+++ b/DataTypes/Concepts/Concept.pptx
@@ -7060,7 +7060,7 @@
         </p:nvGrpSpPr>
         <p:grpSpPr>
           <a:xfrm>
-            <a:off x="15089809" y="7576558"/>
+            <a:off x="13682352" y="9085215"/>
             <a:ext cx="1668714" cy="1979595"/>
             <a:chOff x="1715679" y="1940516"/>
             <a:chExt cx="1348032" cy="1707658"/>
@@ -7292,8 +7292,8 @@
         </p:nvCxnSpPr>
         <p:spPr>
           <a:xfrm rot="16200000" flipV="1">
-            <a:off x="12833987" y="4460792"/>
-            <a:ext cx="3308399" cy="2923134"/>
+            <a:off x="11375930" y="5918848"/>
+            <a:ext cx="4817056" cy="1515677"/>
           </a:xfrm>
           <a:prstGeom prst="curvedConnector3">
             <a:avLst>
@@ -7593,6 +7593,147 @@
           </p:txBody>
         </p:sp>
       </p:grpSp>
+      <p:cxnSp>
+        <p:nvCxnSpPr>
+          <p:cNvPr id="122" name="Spojnice: zakřivená 121">
+            <a:extLst>
+              <a:ext uri="{FF2B5EF4-FFF2-40B4-BE49-F238E27FC236}">
+                <a16:creationId xmlns:a16="http://schemas.microsoft.com/office/drawing/2014/main" id="{3A00EDB8-9009-49A8-8266-DF9AB378648D}"/>
+              </a:ext>
+            </a:extLst>
+          </p:cNvPr>
+          <p:cNvCxnSpPr>
+            <a:cxnSpLocks/>
+            <a:stCxn id="160" idx="1"/>
+            <a:endCxn id="34" idx="2"/>
+          </p:cNvCxnSpPr>
+          <p:nvPr/>
+        </p:nvCxnSpPr>
+        <p:spPr>
+          <a:xfrm rot="10800000">
+            <a:off x="6876056" y="7744677"/>
+            <a:ext cx="6806297" cy="2508733"/>
+          </a:xfrm>
+          <a:prstGeom prst="curvedConnector2">
+            <a:avLst/>
+          </a:prstGeom>
+          <a:ln>
+            <a:solidFill>
+              <a:schemeClr val="bg1">
+                <a:lumMod val="65000"/>
+              </a:schemeClr>
+            </a:solidFill>
+          </a:ln>
+        </p:spPr>
+        <p:style>
+          <a:lnRef idx="1">
+            <a:schemeClr val="accent1"/>
+          </a:lnRef>
+          <a:fillRef idx="0">
+            <a:schemeClr val="accent1"/>
+          </a:fillRef>
+          <a:effectRef idx="0">
+            <a:schemeClr val="accent1"/>
+          </a:effectRef>
+          <a:fontRef idx="minor">
+            <a:schemeClr val="tx1"/>
+          </a:fontRef>
+        </p:style>
+      </p:cxnSp>
+      <p:cxnSp>
+        <p:nvCxnSpPr>
+          <p:cNvPr id="124" name="Spojnice: zakřivená 123">
+            <a:extLst>
+              <a:ext uri="{FF2B5EF4-FFF2-40B4-BE49-F238E27FC236}">
+                <a16:creationId xmlns:a16="http://schemas.microsoft.com/office/drawing/2014/main" id="{7E77C512-771F-43FA-B782-48BFE0EF8142}"/>
+              </a:ext>
+            </a:extLst>
+          </p:cNvPr>
+          <p:cNvCxnSpPr>
+            <a:cxnSpLocks/>
+            <a:stCxn id="160" idx="1"/>
+            <a:endCxn id="109" idx="2"/>
+          </p:cNvCxnSpPr>
+          <p:nvPr/>
+        </p:nvCxnSpPr>
+        <p:spPr>
+          <a:xfrm rot="10800000">
+            <a:off x="4577226" y="8169825"/>
+            <a:ext cx="9105127" cy="2083584"/>
+          </a:xfrm>
+          <a:prstGeom prst="curvedConnector2">
+            <a:avLst/>
+          </a:prstGeom>
+          <a:ln>
+            <a:solidFill>
+              <a:schemeClr val="bg1">
+                <a:lumMod val="65000"/>
+              </a:schemeClr>
+            </a:solidFill>
+          </a:ln>
+        </p:spPr>
+        <p:style>
+          <a:lnRef idx="1">
+            <a:schemeClr val="accent1"/>
+          </a:lnRef>
+          <a:fillRef idx="0">
+            <a:schemeClr val="accent1"/>
+          </a:fillRef>
+          <a:effectRef idx="0">
+            <a:schemeClr val="accent1"/>
+          </a:effectRef>
+          <a:fontRef idx="minor">
+            <a:schemeClr val="tx1"/>
+          </a:fontRef>
+        </p:style>
+      </p:cxnSp>
+      <p:cxnSp>
+        <p:nvCxnSpPr>
+          <p:cNvPr id="125" name="Spojnice: zakřivená 124">
+            <a:extLst>
+              <a:ext uri="{FF2B5EF4-FFF2-40B4-BE49-F238E27FC236}">
+                <a16:creationId xmlns:a16="http://schemas.microsoft.com/office/drawing/2014/main" id="{788D7280-001B-4F75-9DB6-8F02311CDEA8}"/>
+              </a:ext>
+            </a:extLst>
+          </p:cNvPr>
+          <p:cNvCxnSpPr>
+            <a:cxnSpLocks/>
+            <a:stCxn id="160" idx="1"/>
+            <a:endCxn id="40" idx="2"/>
+          </p:cNvCxnSpPr>
+          <p:nvPr/>
+        </p:nvCxnSpPr>
+        <p:spPr>
+          <a:xfrm rot="10800000">
+            <a:off x="2171310" y="7960267"/>
+            <a:ext cx="11511042" cy="2293142"/>
+          </a:xfrm>
+          <a:prstGeom prst="curvedConnector2">
+            <a:avLst/>
+          </a:prstGeom>
+          <a:ln>
+            <a:solidFill>
+              <a:schemeClr val="bg1">
+                <a:lumMod val="65000"/>
+              </a:schemeClr>
+            </a:solidFill>
+          </a:ln>
+        </p:spPr>
+        <p:style>
+          <a:lnRef idx="1">
+            <a:schemeClr val="accent1"/>
+          </a:lnRef>
+          <a:fillRef idx="0">
+            <a:schemeClr val="accent1"/>
+          </a:fillRef>
+          <a:effectRef idx="0">
+            <a:schemeClr val="accent1"/>
+          </a:effectRef>
+          <a:fontRef idx="minor">
+            <a:schemeClr val="tx1"/>
+          </a:fontRef>
+        </p:style>
+      </p:cxnSp>
     </p:spTree>
     <p:extLst>
       <p:ext uri="{BB962C8B-B14F-4D97-AF65-F5344CB8AC3E}">
